--- a/netetmatat-ppt.pptx
+++ b/netetmatat-ppt.pptx
@@ -7,12 +7,17 @@
   <p:sldIdLst>
     <p:sldId id="257" r:id="rId2"/>
     <p:sldId id="258" r:id="rId3"/>
-    <p:sldId id="259" r:id="rId4"/>
-    <p:sldId id="260" r:id="rId5"/>
-    <p:sldId id="261" r:id="rId6"/>
-    <p:sldId id="262" r:id="rId7"/>
-    <p:sldId id="263" r:id="rId8"/>
-    <p:sldId id="264" r:id="rId9"/>
+    <p:sldId id="264" r:id="rId4"/>
+    <p:sldId id="265" r:id="rId5"/>
+    <p:sldId id="266" r:id="rId6"/>
+    <p:sldId id="267" r:id="rId7"/>
+    <p:sldId id="268" r:id="rId8"/>
+    <p:sldId id="259" r:id="rId9"/>
+    <p:sldId id="260" r:id="rId10"/>
+    <p:sldId id="262" r:id="rId11"/>
+    <p:sldId id="263" r:id="rId12"/>
+    <p:sldId id="269" r:id="rId13"/>
+    <p:sldId id="270" r:id="rId14"/>
   </p:sldIdLst>
   <p:sldSz cx="12192000" cy="6858000"/>
   <p:notesSz cx="6858000" cy="9144000"/>
@@ -266,7 +271,7 @@
           <a:p>
             <a:fld id="{E04279FF-69FF-44AC-9965-86A31F649A64}" type="datetimeFigureOut">
               <a:rPr lang="hu-HU" smtClean="0"/>
-              <a:t>2021. 11. 28.</a:t>
+              <a:t>2021. 12. 12.</a:t>
             </a:fld>
             <a:endParaRPr lang="hu-HU"/>
           </a:p>
@@ -464,7 +469,7 @@
           <a:p>
             <a:fld id="{E04279FF-69FF-44AC-9965-86A31F649A64}" type="datetimeFigureOut">
               <a:rPr lang="hu-HU" smtClean="0"/>
-              <a:t>2021. 11. 28.</a:t>
+              <a:t>2021. 12. 12.</a:t>
             </a:fld>
             <a:endParaRPr lang="hu-HU"/>
           </a:p>
@@ -672,7 +677,7 @@
           <a:p>
             <a:fld id="{E04279FF-69FF-44AC-9965-86A31F649A64}" type="datetimeFigureOut">
               <a:rPr lang="hu-HU" smtClean="0"/>
-              <a:t>2021. 11. 28.</a:t>
+              <a:t>2021. 12. 12.</a:t>
             </a:fld>
             <a:endParaRPr lang="hu-HU"/>
           </a:p>
@@ -870,7 +875,7 @@
           <a:p>
             <a:fld id="{E04279FF-69FF-44AC-9965-86A31F649A64}" type="datetimeFigureOut">
               <a:rPr lang="hu-HU" smtClean="0"/>
-              <a:t>2021. 11. 28.</a:t>
+              <a:t>2021. 12. 12.</a:t>
             </a:fld>
             <a:endParaRPr lang="hu-HU"/>
           </a:p>
@@ -1145,7 +1150,7 @@
           <a:p>
             <a:fld id="{E04279FF-69FF-44AC-9965-86A31F649A64}" type="datetimeFigureOut">
               <a:rPr lang="hu-HU" smtClean="0"/>
-              <a:t>2021. 11. 28.</a:t>
+              <a:t>2021. 12. 12.</a:t>
             </a:fld>
             <a:endParaRPr lang="hu-HU"/>
           </a:p>
@@ -1410,7 +1415,7 @@
           <a:p>
             <a:fld id="{E04279FF-69FF-44AC-9965-86A31F649A64}" type="datetimeFigureOut">
               <a:rPr lang="hu-HU" smtClean="0"/>
-              <a:t>2021. 11. 28.</a:t>
+              <a:t>2021. 12. 12.</a:t>
             </a:fld>
             <a:endParaRPr lang="hu-HU"/>
           </a:p>
@@ -1822,7 +1827,7 @@
           <a:p>
             <a:fld id="{E04279FF-69FF-44AC-9965-86A31F649A64}" type="datetimeFigureOut">
               <a:rPr lang="hu-HU" smtClean="0"/>
-              <a:t>2021. 11. 28.</a:t>
+              <a:t>2021. 12. 12.</a:t>
             </a:fld>
             <a:endParaRPr lang="hu-HU"/>
           </a:p>
@@ -1963,7 +1968,7 @@
           <a:p>
             <a:fld id="{E04279FF-69FF-44AC-9965-86A31F649A64}" type="datetimeFigureOut">
               <a:rPr lang="hu-HU" smtClean="0"/>
-              <a:t>2021. 11. 28.</a:t>
+              <a:t>2021. 12. 12.</a:t>
             </a:fld>
             <a:endParaRPr lang="hu-HU"/>
           </a:p>
@@ -2076,7 +2081,7 @@
           <a:p>
             <a:fld id="{E04279FF-69FF-44AC-9965-86A31F649A64}" type="datetimeFigureOut">
               <a:rPr lang="hu-HU" smtClean="0"/>
-              <a:t>2021. 11. 28.</a:t>
+              <a:t>2021. 12. 12.</a:t>
             </a:fld>
             <a:endParaRPr lang="hu-HU"/>
           </a:p>
@@ -2387,7 +2392,7 @@
           <a:p>
             <a:fld id="{E04279FF-69FF-44AC-9965-86A31F649A64}" type="datetimeFigureOut">
               <a:rPr lang="hu-HU" smtClean="0"/>
-              <a:t>2021. 11. 28.</a:t>
+              <a:t>2021. 12. 12.</a:t>
             </a:fld>
             <a:endParaRPr lang="hu-HU"/>
           </a:p>
@@ -2675,7 +2680,7 @@
           <a:p>
             <a:fld id="{E04279FF-69FF-44AC-9965-86A31F649A64}" type="datetimeFigureOut">
               <a:rPr lang="hu-HU" smtClean="0"/>
-              <a:t>2021. 11. 28.</a:t>
+              <a:t>2021. 12. 12.</a:t>
             </a:fld>
             <a:endParaRPr lang="hu-HU"/>
           </a:p>
@@ -2753,18 +2758,9 @@
   <p:cSld>
     <p:bg>
       <p:bgPr>
-        <a:gradFill flip="none" rotWithShape="1">
-          <a:gsLst>
-            <a:gs pos="5000">
-              <a:srgbClr val="3B04C4"/>
-            </a:gs>
-            <a:gs pos="100000">
-              <a:srgbClr val="BA77FD"/>
-            </a:gs>
-          </a:gsLst>
-          <a:lin ang="5400000" scaled="1"/>
-          <a:tileRect/>
-        </a:gradFill>
+        <a:solidFill>
+          <a:srgbClr val="BA77FD"/>
+        </a:solidFill>
         <a:effectLst/>
       </p:bgPr>
     </p:bg>
@@ -2782,6 +2778,36 @@
           <a:chExt cx="0" cy="0"/>
         </a:xfrm>
       </p:grpSpPr>
+      <p:pic>
+        <p:nvPicPr>
+          <p:cNvPr id="8" name="Kép 7"/>
+          <p:cNvPicPr>
+            <a:picLocks noChangeAspect="1"/>
+          </p:cNvPicPr>
+          <p:nvPr userDrawn="1"/>
+        </p:nvPicPr>
+        <p:blipFill>
+          <a:blip r:embed="rId13">
+            <a:extLst>
+              <a:ext uri="{28A0092B-C50C-407E-A947-70E740481C1C}">
+                <a14:useLocalDpi xmlns:a14="http://schemas.microsoft.com/office/drawing/2010/main" val="0"/>
+              </a:ext>
+            </a:extLst>
+          </a:blip>
+          <a:stretch>
+            <a:fillRect/>
+          </a:stretch>
+        </p:blipFill>
+        <p:spPr>
+          <a:xfrm>
+            <a:off x="0" y="0"/>
+            <a:ext cx="12192000" cy="6858000"/>
+          </a:xfrm>
+          <a:prstGeom prst="rect">
+            <a:avLst/>
+          </a:prstGeom>
+        </p:spPr>
+      </p:pic>
       <p:sp>
         <p:nvSpPr>
           <p:cNvPr id="2" name="Cím helye 1">
@@ -2928,7 +2954,7 @@
           <a:p>
             <a:fld id="{E04279FF-69FF-44AC-9965-86A31F649A64}" type="datetimeFigureOut">
               <a:rPr lang="hu-HU" smtClean="0"/>
-              <a:t>2021. 11. 28.</a:t>
+              <a:t>2021. 12. 12.</a:t>
             </a:fld>
             <a:endParaRPr lang="hu-HU"/>
           </a:p>
@@ -3413,41 +3439,6 @@
           </a:p>
         </p:txBody>
       </p:sp>
-      <p:pic>
-        <p:nvPicPr>
-          <p:cNvPr id="10" name="Kép 9" descr="A képen szöveg látható&#10;&#10;Automatikusan generált leírás">
-            <a:extLst>
-              <a:ext uri="{FF2B5EF4-FFF2-40B4-BE49-F238E27FC236}">
-                <a16:creationId xmlns:a16="http://schemas.microsoft.com/office/drawing/2014/main" id="{9F88CEFB-C556-41E9-B06D-48B62F05AF40}"/>
-              </a:ext>
-            </a:extLst>
-          </p:cNvPr>
-          <p:cNvPicPr>
-            <a:picLocks noChangeAspect="1"/>
-          </p:cNvPicPr>
-          <p:nvPr/>
-        </p:nvPicPr>
-        <p:blipFill rotWithShape="1">
-          <a:blip r:embed="rId2">
-            <a:extLst>
-              <a:ext uri="{28A0092B-C50C-407E-A947-70E740481C1C}">
-                <a14:useLocalDpi xmlns:a14="http://schemas.microsoft.com/office/drawing/2010/main" val="0"/>
-              </a:ext>
-            </a:extLst>
-          </a:blip>
-          <a:srcRect t="29687"/>
-          <a:stretch/>
-        </p:blipFill>
-        <p:spPr>
-          <a:xfrm>
-            <a:off x="19" y="0"/>
-            <a:ext cx="12191981" cy="6857990"/>
-          </a:xfrm>
-          <a:prstGeom prst="rect">
-            <a:avLst/>
-          </a:prstGeom>
-        </p:spPr>
-      </p:pic>
       <p:sp>
         <p:nvSpPr>
           <p:cNvPr id="17" name="Rectangle 16">
@@ -3533,6 +3524,36 @@
           </a:p>
         </p:txBody>
       </p:sp>
+      <p:pic>
+        <p:nvPicPr>
+          <p:cNvPr id="3" name="Kép 2"/>
+          <p:cNvPicPr>
+            <a:picLocks noChangeAspect="1"/>
+          </p:cNvPicPr>
+          <p:nvPr/>
+        </p:nvPicPr>
+        <p:blipFill>
+          <a:blip r:embed="rId2">
+            <a:extLst>
+              <a:ext uri="{28A0092B-C50C-407E-A947-70E740481C1C}">
+                <a14:useLocalDpi xmlns:a14="http://schemas.microsoft.com/office/drawing/2010/main" val="0"/>
+              </a:ext>
+            </a:extLst>
+          </a:blip>
+          <a:stretch>
+            <a:fillRect/>
+          </a:stretch>
+        </p:blipFill>
+        <p:spPr>
+          <a:xfrm>
+            <a:off x="-4" y="-14496"/>
+            <a:ext cx="12192004" cy="7553742"/>
+          </a:xfrm>
+          <a:prstGeom prst="rect">
+            <a:avLst/>
+          </a:prstGeom>
+        </p:spPr>
+      </p:pic>
       <p:sp>
         <p:nvSpPr>
           <p:cNvPr id="4" name="Cím 3">
@@ -3685,9 +3706,12 @@
         </p:nvSpPr>
         <p:spPr>
           <a:xfrm>
-            <a:off x="404553" y="5624945"/>
-            <a:ext cx="9078562" cy="592975"/>
+            <a:off x="-8" y="5575039"/>
+            <a:ext cx="9785905" cy="685800"/>
           </a:xfrm>
+          <a:solidFill>
+            <a:srgbClr val="7030A0"/>
+          </a:solidFill>
         </p:spPr>
         <p:txBody>
           <a:bodyPr anchor="ctr">
@@ -3695,8 +3719,41 @@
           </a:bodyPr>
           <a:lstStyle/>
           <a:p>
-            <a:pPr algn="l"/>
-            <a:endParaRPr lang="hu-HU" dirty="0">
+            <a:pPr lvl="1" algn="l"/>
+            <a:r>
+              <a:rPr lang="hu-HU" sz="3200" dirty="0">
+                <a:solidFill>
+                  <a:schemeClr val="tx1"/>
+                </a:solidFill>
+              </a:rPr>
+              <a:t>Ha valami gond van, </a:t>
+            </a:r>
+            <a:r>
+              <a:rPr lang="hu-HU" sz="3200" dirty="0" err="1">
+                <a:solidFill>
+                  <a:schemeClr val="tx1"/>
+                </a:solidFill>
+              </a:rPr>
+              <a:t>netetmatat</a:t>
+            </a:r>
+            <a:r>
+              <a:rPr lang="hu-HU" sz="3200" dirty="0">
+                <a:solidFill>
+                  <a:schemeClr val="tx1"/>
+                </a:solidFill>
+              </a:rPr>
+              <a:t> ott van </a:t>
+            </a:r>
+            <a:r>
+              <a:rPr lang="hu-HU" sz="3200" dirty="0">
+                <a:solidFill>
+                  <a:schemeClr val="tx1"/>
+                </a:solidFill>
+                <a:sym typeface="Wingdings" panose="05000000000000000000" pitchFamily="2" charset="2"/>
+              </a:rPr>
+              <a:t></a:t>
+            </a:r>
+            <a:endParaRPr lang="hu-HU" sz="3200" dirty="0">
               <a:solidFill>
                 <a:schemeClr val="tx1"/>
               </a:solidFill>
@@ -3809,6 +3866,405 @@
 </p:sld>
 </file>
 
+<file path=ppt/slides/slide10.xml><?xml version="1.0" encoding="utf-8"?>
+<p:sld xmlns:a="http://schemas.openxmlformats.org/drawingml/2006/main" xmlns:r="http://schemas.openxmlformats.org/officeDocument/2006/relationships" xmlns:p="http://schemas.openxmlformats.org/presentationml/2006/main">
+  <p:cSld>
+    <p:spTree>
+      <p:nvGrpSpPr>
+        <p:cNvPr id="1" name=""/>
+        <p:cNvGrpSpPr/>
+        <p:nvPr/>
+      </p:nvGrpSpPr>
+      <p:grpSpPr>
+        <a:xfrm>
+          <a:off x="0" y="0"/>
+          <a:ext cx="0" cy="0"/>
+          <a:chOff x="0" y="0"/>
+          <a:chExt cx="0" cy="0"/>
+        </a:xfrm>
+      </p:grpSpPr>
+      <p:pic>
+        <p:nvPicPr>
+          <p:cNvPr id="2" name="Kép 1">
+            <a:extLst>
+              <a:ext uri="{FF2B5EF4-FFF2-40B4-BE49-F238E27FC236}">
+                <a16:creationId xmlns:a16="http://schemas.microsoft.com/office/drawing/2014/main" id="{FE6D6532-D46F-481A-8B53-1EE75C2DAA57}"/>
+              </a:ext>
+            </a:extLst>
+          </p:cNvPr>
+          <p:cNvPicPr>
+            <a:picLocks noChangeAspect="1"/>
+          </p:cNvPicPr>
+          <p:nvPr/>
+        </p:nvPicPr>
+        <p:blipFill>
+          <a:blip r:embed="rId2"/>
+          <a:stretch>
+            <a:fillRect/>
+          </a:stretch>
+        </p:blipFill>
+        <p:spPr>
+          <a:xfrm>
+            <a:off x="1338470" y="1904859"/>
+            <a:ext cx="9515059" cy="4593477"/>
+          </a:xfrm>
+          <a:prstGeom prst="rect">
+            <a:avLst/>
+          </a:prstGeom>
+        </p:spPr>
+      </p:pic>
+      <p:sp>
+        <p:nvSpPr>
+          <p:cNvPr id="4" name="Szövegdoboz 3">
+            <a:extLst>
+              <a:ext uri="{FF2B5EF4-FFF2-40B4-BE49-F238E27FC236}">
+                <a16:creationId xmlns:a16="http://schemas.microsoft.com/office/drawing/2014/main" id="{C7CFB6CE-FE4C-488C-B9FE-F125DF559AA4}"/>
+              </a:ext>
+            </a:extLst>
+          </p:cNvPr>
+          <p:cNvSpPr txBox="1"/>
+          <p:nvPr/>
+        </p:nvSpPr>
+        <p:spPr>
+          <a:xfrm>
+            <a:off x="3047999" y="491990"/>
+            <a:ext cx="6096000" cy="707886"/>
+          </a:xfrm>
+          <a:prstGeom prst="rect">
+            <a:avLst/>
+          </a:prstGeom>
+          <a:noFill/>
+        </p:spPr>
+        <p:txBody>
+          <a:bodyPr wrap="square" rtlCol="0">
+            <a:spAutoFit/>
+          </a:bodyPr>
+          <a:lstStyle>
+            <a:defPPr>
+              <a:defRPr lang="hu-HU"/>
+            </a:defPPr>
+            <a:lvl1pPr algn="ctr">
+              <a:defRPr sz="4000" b="1" i="0">
+                <a:solidFill>
+                  <a:schemeClr val="bg1">
+                    <a:lumMod val="95000"/>
+                  </a:schemeClr>
+                </a:solidFill>
+                <a:effectLst/>
+              </a:defRPr>
+            </a:lvl1pPr>
+          </a:lstStyle>
+          <a:p>
+            <a:r>
+              <a:rPr lang="hu-HU" dirty="0"/>
+              <a:t>Családjával szokott utazni?</a:t>
+            </a:r>
+          </a:p>
+        </p:txBody>
+      </p:sp>
+    </p:spTree>
+    <p:extLst>
+      <p:ext uri="{BB962C8B-B14F-4D97-AF65-F5344CB8AC3E}">
+        <p14:creationId xmlns:p14="http://schemas.microsoft.com/office/powerpoint/2010/main" val="1222710621"/>
+      </p:ext>
+    </p:extLst>
+  </p:cSld>
+  <p:clrMapOvr>
+    <a:masterClrMapping/>
+  </p:clrMapOvr>
+</p:sld>
+</file>
+
+<file path=ppt/slides/slide11.xml><?xml version="1.0" encoding="utf-8"?>
+<p:sld xmlns:a="http://schemas.openxmlformats.org/drawingml/2006/main" xmlns:r="http://schemas.openxmlformats.org/officeDocument/2006/relationships" xmlns:p="http://schemas.openxmlformats.org/presentationml/2006/main">
+  <p:cSld>
+    <p:spTree>
+      <p:nvGrpSpPr>
+        <p:cNvPr id="1" name=""/>
+        <p:cNvGrpSpPr/>
+        <p:nvPr/>
+      </p:nvGrpSpPr>
+      <p:grpSpPr>
+        <a:xfrm>
+          <a:off x="0" y="0"/>
+          <a:ext cx="0" cy="0"/>
+          <a:chOff x="0" y="0"/>
+          <a:chExt cx="0" cy="0"/>
+        </a:xfrm>
+      </p:grpSpPr>
+      <p:sp>
+        <p:nvSpPr>
+          <p:cNvPr id="4" name="Szövegdoboz 3">
+            <a:extLst>
+              <a:ext uri="{FF2B5EF4-FFF2-40B4-BE49-F238E27FC236}">
+                <a16:creationId xmlns:a16="http://schemas.microsoft.com/office/drawing/2014/main" id="{1B6E6189-D78C-4169-94D0-827245E69516}"/>
+              </a:ext>
+            </a:extLst>
+          </p:cNvPr>
+          <p:cNvSpPr txBox="1"/>
+          <p:nvPr/>
+        </p:nvSpPr>
+        <p:spPr>
+          <a:xfrm>
+            <a:off x="3048000" y="565142"/>
+            <a:ext cx="6096000" cy="1323439"/>
+          </a:xfrm>
+          <a:prstGeom prst="rect">
+            <a:avLst/>
+          </a:prstGeom>
+          <a:noFill/>
+        </p:spPr>
+        <p:txBody>
+          <a:bodyPr wrap="square" rtlCol="0">
+            <a:spAutoFit/>
+          </a:bodyPr>
+          <a:lstStyle>
+            <a:defPPr>
+              <a:defRPr lang="hu-HU"/>
+            </a:defPPr>
+            <a:lvl1pPr algn="ctr">
+              <a:defRPr sz="4000" b="1" i="0">
+                <a:solidFill>
+                  <a:schemeClr val="bg1">
+                    <a:lumMod val="95000"/>
+                  </a:schemeClr>
+                </a:solidFill>
+                <a:effectLst/>
+              </a:defRPr>
+            </a:lvl1pPr>
+          </a:lstStyle>
+          <a:p>
+            <a:r>
+              <a:rPr lang="hu-HU" dirty="0"/>
+              <a:t>Milyen célból szokott utazni?</a:t>
+            </a:r>
+          </a:p>
+        </p:txBody>
+      </p:sp>
+      <p:pic>
+        <p:nvPicPr>
+          <p:cNvPr id="5" name="Kép 4">
+            <a:extLst>
+              <a:ext uri="{FF2B5EF4-FFF2-40B4-BE49-F238E27FC236}">
+                <a16:creationId xmlns:a16="http://schemas.microsoft.com/office/drawing/2014/main" id="{A2768C08-B7EB-48D0-87E8-D3C47B85910F}"/>
+              </a:ext>
+            </a:extLst>
+          </p:cNvPr>
+          <p:cNvPicPr>
+            <a:picLocks noChangeAspect="1"/>
+          </p:cNvPicPr>
+          <p:nvPr/>
+        </p:nvPicPr>
+        <p:blipFill>
+          <a:blip r:embed="rId2"/>
+          <a:stretch>
+            <a:fillRect/>
+          </a:stretch>
+        </p:blipFill>
+        <p:spPr>
+          <a:xfrm>
+            <a:off x="1300162" y="2342426"/>
+            <a:ext cx="9591675" cy="4133850"/>
+          </a:xfrm>
+          <a:prstGeom prst="rect">
+            <a:avLst/>
+          </a:prstGeom>
+        </p:spPr>
+      </p:pic>
+    </p:spTree>
+    <p:extLst>
+      <p:ext uri="{BB962C8B-B14F-4D97-AF65-F5344CB8AC3E}">
+        <p14:creationId xmlns:p14="http://schemas.microsoft.com/office/powerpoint/2010/main" val="1046734372"/>
+      </p:ext>
+    </p:extLst>
+  </p:cSld>
+  <p:clrMapOvr>
+    <a:masterClrMapping/>
+  </p:clrMapOvr>
+</p:sld>
+</file>
+
+<file path=ppt/slides/slide12.xml><?xml version="1.0" encoding="utf-8"?>
+<p:sld xmlns:a="http://schemas.openxmlformats.org/drawingml/2006/main" xmlns:r="http://schemas.openxmlformats.org/officeDocument/2006/relationships" xmlns:p="http://schemas.openxmlformats.org/presentationml/2006/main">
+  <p:cSld>
+    <p:spTree>
+      <p:nvGrpSpPr>
+        <p:cNvPr id="1" name=""/>
+        <p:cNvGrpSpPr/>
+        <p:nvPr/>
+      </p:nvGrpSpPr>
+      <p:grpSpPr>
+        <a:xfrm>
+          <a:off x="0" y="0"/>
+          <a:ext cx="0" cy="0"/>
+          <a:chOff x="0" y="0"/>
+          <a:chExt cx="0" cy="0"/>
+        </a:xfrm>
+      </p:grpSpPr>
+      <p:sp>
+        <p:nvSpPr>
+          <p:cNvPr id="2" name="Cím 1"/>
+          <p:cNvSpPr>
+            <a:spLocks noGrp="1"/>
+          </p:cNvSpPr>
+          <p:nvPr>
+            <p:ph type="title"/>
+          </p:nvPr>
+        </p:nvSpPr>
+        <p:spPr/>
+        <p:txBody>
+          <a:bodyPr/>
+          <a:lstStyle/>
+          <a:p>
+            <a:r>
+              <a:rPr lang="hu-HU" dirty="0"/>
+              <a:t>Költségvetések</a:t>
+            </a:r>
+          </a:p>
+        </p:txBody>
+      </p:sp>
+      <p:sp>
+        <p:nvSpPr>
+          <p:cNvPr id="3" name="Tartalom helye 2"/>
+          <p:cNvSpPr>
+            <a:spLocks noGrp="1"/>
+          </p:cNvSpPr>
+          <p:nvPr>
+            <p:ph sz="half" idx="1"/>
+          </p:nvPr>
+        </p:nvSpPr>
+        <p:spPr/>
+        <p:txBody>
+          <a:bodyPr/>
+          <a:lstStyle/>
+          <a:p>
+            <a:endParaRPr lang="hu-HU" dirty="0"/>
+          </a:p>
+        </p:txBody>
+      </p:sp>
+      <p:sp>
+        <p:nvSpPr>
+          <p:cNvPr id="4" name="Tartalom helye 3"/>
+          <p:cNvSpPr>
+            <a:spLocks noGrp="1"/>
+          </p:cNvSpPr>
+          <p:nvPr>
+            <p:ph sz="half" idx="2"/>
+          </p:nvPr>
+        </p:nvSpPr>
+        <p:spPr/>
+        <p:txBody>
+          <a:bodyPr/>
+          <a:lstStyle/>
+          <a:p>
+            <a:endParaRPr lang="hu-HU"/>
+          </a:p>
+        </p:txBody>
+      </p:sp>
+    </p:spTree>
+    <p:extLst>
+      <p:ext uri="{BB962C8B-B14F-4D97-AF65-F5344CB8AC3E}">
+        <p14:creationId xmlns:p14="http://schemas.microsoft.com/office/powerpoint/2010/main" val="3762302562"/>
+      </p:ext>
+    </p:extLst>
+  </p:cSld>
+  <p:clrMapOvr>
+    <a:masterClrMapping/>
+  </p:clrMapOvr>
+</p:sld>
+</file>
+
+<file path=ppt/slides/slide13.xml><?xml version="1.0" encoding="utf-8"?>
+<p:sld xmlns:a="http://schemas.openxmlformats.org/drawingml/2006/main" xmlns:r="http://schemas.openxmlformats.org/officeDocument/2006/relationships" xmlns:p="http://schemas.openxmlformats.org/presentationml/2006/main">
+  <p:cSld>
+    <p:spTree>
+      <p:nvGrpSpPr>
+        <p:cNvPr id="1" name=""/>
+        <p:cNvGrpSpPr/>
+        <p:nvPr/>
+      </p:nvGrpSpPr>
+      <p:grpSpPr>
+        <a:xfrm>
+          <a:off x="0" y="0"/>
+          <a:ext cx="0" cy="0"/>
+          <a:chOff x="0" y="0"/>
+          <a:chExt cx="0" cy="0"/>
+        </a:xfrm>
+      </p:grpSpPr>
+      <p:sp>
+        <p:nvSpPr>
+          <p:cNvPr id="2" name="Cím 1"/>
+          <p:cNvSpPr>
+            <a:spLocks noGrp="1"/>
+          </p:cNvSpPr>
+          <p:nvPr>
+            <p:ph type="ctrTitle"/>
+          </p:nvPr>
+        </p:nvSpPr>
+        <p:spPr/>
+        <p:txBody>
+          <a:bodyPr/>
+          <a:lstStyle/>
+          <a:p>
+            <a:r>
+              <a:rPr lang="hu-HU" dirty="0"/>
+              <a:t>Köszönjük a figyelmet!</a:t>
+            </a:r>
+            <a:br>
+              <a:rPr lang="hu-HU" dirty="0"/>
+            </a:br>
+            <a:r>
+              <a:rPr lang="hu-HU" dirty="0">
+                <a:sym typeface="Wingdings" panose="05000000000000000000" pitchFamily="2" charset="2"/>
+              </a:rPr>
+              <a:t> </a:t>
+            </a:r>
+            <a:endParaRPr lang="hu-HU" dirty="0"/>
+          </a:p>
+        </p:txBody>
+      </p:sp>
+      <p:sp>
+        <p:nvSpPr>
+          <p:cNvPr id="3" name="Alcím 2"/>
+          <p:cNvSpPr>
+            <a:spLocks noGrp="1"/>
+          </p:cNvSpPr>
+          <p:nvPr>
+            <p:ph type="subTitle" idx="1"/>
+          </p:nvPr>
+        </p:nvSpPr>
+        <p:spPr>
+          <a:xfrm>
+            <a:off x="1524000" y="5262113"/>
+            <a:ext cx="9144000" cy="979097"/>
+          </a:xfrm>
+        </p:spPr>
+        <p:txBody>
+          <a:bodyPr>
+            <a:normAutofit/>
+          </a:bodyPr>
+          <a:lstStyle/>
+          <a:p>
+            <a:r>
+              <a:rPr lang="hu-HU" sz="2800" dirty="0"/>
+              <a:t>Várjuk a közös munkát</a:t>
+            </a:r>
+          </a:p>
+        </p:txBody>
+      </p:sp>
+    </p:spTree>
+    <p:extLst>
+      <p:ext uri="{BB962C8B-B14F-4D97-AF65-F5344CB8AC3E}">
+        <p14:creationId xmlns:p14="http://schemas.microsoft.com/office/powerpoint/2010/main" val="1261530191"/>
+      </p:ext>
+    </p:extLst>
+  </p:cSld>
+  <p:clrMapOvr>
+    <a:masterClrMapping/>
+  </p:clrMapOvr>
+</p:sld>
+</file>
+
 <file path=ppt/slides/slide2.xml><?xml version="1.0" encoding="utf-8"?>
 <p:sld xmlns:a="http://schemas.openxmlformats.org/drawingml/2006/main" xmlns:r="http://schemas.openxmlformats.org/officeDocument/2006/relationships" xmlns:p="http://schemas.openxmlformats.org/presentationml/2006/main">
   <p:cSld>
@@ -3861,21 +4317,53 @@
         </p:nvSpPr>
         <p:spPr/>
         <p:txBody>
-          <a:bodyPr/>
-          <a:lstStyle/>
-          <a:p>
-            <a:r>
-              <a:rPr lang="en-US" dirty="0"/>
+          <a:bodyPr>
+            <a:normAutofit/>
+          </a:bodyPr>
+          <a:lstStyle/>
+          <a:p>
+            <a:r>
+              <a:rPr lang="en-US" sz="5400" dirty="0"/>
               <a:t>A </a:t>
             </a:r>
             <a:r>
-              <a:rPr lang="en-US" dirty="0" err="1"/>
+              <a:rPr lang="en-US" sz="5400" dirty="0" err="1"/>
               <a:t>cégről</a:t>
             </a:r>
-            <a:endParaRPr lang="hu-HU" dirty="0"/>
-          </a:p>
-        </p:txBody>
-      </p:sp>
+            <a:endParaRPr lang="hu-HU" sz="5400" dirty="0"/>
+          </a:p>
+        </p:txBody>
+      </p:sp>
+      <p:pic>
+        <p:nvPicPr>
+          <p:cNvPr id="4" name="Kép 3">
+            <a:extLst>
+              <a:ext uri="{FF2B5EF4-FFF2-40B4-BE49-F238E27FC236}">
+                <a16:creationId xmlns:a16="http://schemas.microsoft.com/office/drawing/2014/main" id="{9BC8E762-B090-4B41-B3DA-96021427B6F8}"/>
+              </a:ext>
+            </a:extLst>
+          </p:cNvPr>
+          <p:cNvPicPr>
+            <a:picLocks noChangeAspect="1"/>
+          </p:cNvPicPr>
+          <p:nvPr/>
+        </p:nvPicPr>
+        <p:blipFill>
+          <a:blip r:embed="rId2"/>
+          <a:stretch>
+            <a:fillRect/>
+          </a:stretch>
+        </p:blipFill>
+        <p:spPr>
+          <a:xfrm>
+            <a:off x="7947338" y="2052839"/>
+            <a:ext cx="2752322" cy="2752322"/>
+          </a:xfrm>
+          <a:prstGeom prst="rect">
+            <a:avLst/>
+          </a:prstGeom>
+        </p:spPr>
+      </p:pic>
       <p:sp>
         <p:nvSpPr>
           <p:cNvPr id="3" name="Tartalom helye 2">
@@ -3892,49 +4380,60 @@
             <p:ph idx="1"/>
           </p:nvPr>
         </p:nvSpPr>
-        <p:spPr/>
-        <p:txBody>
-          <a:bodyPr/>
-          <a:lstStyle/>
-          <a:p>
-            <a:r>
-              <a:rPr lang="hu-HU" dirty="0"/>
-              <a:t>Cégünk más vállalkozások fejlesztésével foglalkozik.</a:t>
-            </a:r>
-            <a:endParaRPr lang="en-US" dirty="0"/>
-          </a:p>
-          <a:p>
-            <a:r>
-              <a:rPr lang="hu-HU" dirty="0"/>
-              <a:t>Mobil app és weboldal fejlesztésre </a:t>
-            </a:r>
-            <a:r>
-              <a:rPr lang="hu-HU" dirty="0" err="1"/>
-              <a:t>szakosodot</a:t>
-            </a:r>
-            <a:r>
-              <a:rPr lang="en-US" dirty="0"/>
-              <a:t>t</a:t>
-            </a:r>
-            <a:r>
-              <a:rPr lang="hu-HU" dirty="0"/>
-              <a:t> csapatunk szintén foglalkozik </a:t>
-            </a:r>
-            <a:r>
-              <a:rPr lang="en-US" dirty="0"/>
-              <a:t>L</a:t>
-            </a:r>
-            <a:r>
-              <a:rPr lang="hu-HU" dirty="0" err="1"/>
-              <a:t>inux</a:t>
-            </a:r>
-            <a:r>
-              <a:rPr lang="hu-HU" dirty="0"/>
-              <a:t> rendszerekkel és hálózatok kialakításával, fejlesztésével.</a:t>
-            </a:r>
-          </a:p>
-          <a:p>
-            <a:endParaRPr lang="hu-HU" dirty="0"/>
+        <p:spPr>
+          <a:xfrm>
+            <a:off x="838200" y="1690688"/>
+            <a:ext cx="10515600" cy="4351338"/>
+          </a:xfrm>
+        </p:spPr>
+        <p:txBody>
+          <a:bodyPr>
+            <a:normAutofit/>
+          </a:bodyPr>
+          <a:lstStyle/>
+          <a:p>
+            <a:r>
+              <a:rPr lang="hu-HU" sz="3600" dirty="0"/>
+              <a:t>Foglalkozásunk</a:t>
+            </a:r>
+          </a:p>
+          <a:p>
+            <a:r>
+              <a:rPr lang="hu-HU" sz="3600" dirty="0"/>
+              <a:t>Tagjaink: </a:t>
+            </a:r>
+          </a:p>
+          <a:p>
+            <a:pPr lvl="1"/>
+            <a:r>
+              <a:rPr lang="hu-HU" sz="3600" dirty="0"/>
+              <a:t>Busa Emma - cégvezető</a:t>
+            </a:r>
+          </a:p>
+          <a:p>
+            <a:pPr lvl="1"/>
+            <a:r>
+              <a:rPr lang="hu-HU" sz="3600" dirty="0"/>
+              <a:t>Varga Máté - rendszergazda</a:t>
+            </a:r>
+          </a:p>
+          <a:p>
+            <a:pPr lvl="1"/>
+            <a:r>
+              <a:rPr lang="hu-HU" sz="3600" dirty="0" err="1"/>
+              <a:t>Komlósi</a:t>
+            </a:r>
+            <a:r>
+              <a:rPr lang="hu-HU" sz="3600" dirty="0"/>
+              <a:t> Roland - webfejlesztő</a:t>
+            </a:r>
+          </a:p>
+          <a:p>
+            <a:pPr lvl="1"/>
+            <a:r>
+              <a:rPr lang="hu-HU" sz="3600" dirty="0"/>
+              <a:t>Továbbiak </a:t>
+            </a:r>
           </a:p>
         </p:txBody>
       </p:sp>
@@ -3970,13 +4469,29 @@
       </p:grpSpPr>
       <p:sp>
         <p:nvSpPr>
-          <p:cNvPr id="3" name="Tartalom helye 2">
-            <a:extLst>
-              <a:ext uri="{FF2B5EF4-FFF2-40B4-BE49-F238E27FC236}">
-                <a16:creationId xmlns:a16="http://schemas.microsoft.com/office/drawing/2014/main" id="{0F4862DE-C6B8-4163-B534-69C1C32CC2F2}"/>
-              </a:ext>
-            </a:extLst>
-          </p:cNvPr>
+          <p:cNvPr id="2" name="Cím 1"/>
+          <p:cNvSpPr>
+            <a:spLocks noGrp="1"/>
+          </p:cNvSpPr>
+          <p:nvPr>
+            <p:ph type="title"/>
+          </p:nvPr>
+        </p:nvSpPr>
+        <p:spPr/>
+        <p:txBody>
+          <a:bodyPr/>
+          <a:lstStyle/>
+          <a:p>
+            <a:r>
+              <a:rPr lang="hu-HU" dirty="0"/>
+              <a:t>Amit ajánlunk</a:t>
+            </a:r>
+          </a:p>
+        </p:txBody>
+      </p:sp>
+      <p:sp>
+        <p:nvSpPr>
+          <p:cNvPr id="3" name="Tartalom helye 2"/>
           <p:cNvSpPr>
             <a:spLocks noGrp="1"/>
           </p:cNvSpPr>
@@ -3984,111 +4499,21 @@
             <p:ph idx="1"/>
           </p:nvPr>
         </p:nvSpPr>
-        <p:spPr>
-          <a:xfrm>
-            <a:off x="838200" y="476250"/>
-            <a:ext cx="10515600" cy="5700713"/>
-          </a:xfrm>
-        </p:spPr>
-        <p:txBody>
-          <a:bodyPr/>
-          <a:lstStyle/>
-          <a:p>
-            <a:pPr marL="0" indent="0">
-              <a:buNone/>
-            </a:pPr>
-            <a:r>
-              <a:rPr lang="en-US" dirty="0"/>
-              <a:t> </a:t>
-            </a:r>
+        <p:spPr/>
+        <p:txBody>
+          <a:bodyPr>
+            <a:normAutofit/>
+          </a:bodyPr>
+          <a:lstStyle/>
+          <a:p>
             <a:endParaRPr lang="hu-HU" dirty="0"/>
-          </a:p>
-        </p:txBody>
-      </p:sp>
-      <p:pic>
-        <p:nvPicPr>
-          <p:cNvPr id="4" name="Kép 3">
-            <a:extLst>
-              <a:ext uri="{FF2B5EF4-FFF2-40B4-BE49-F238E27FC236}">
-                <a16:creationId xmlns:a16="http://schemas.microsoft.com/office/drawing/2014/main" id="{9CC953F0-A410-4282-ADB0-61993E57CB3F}"/>
-              </a:ext>
-            </a:extLst>
-          </p:cNvPr>
-          <p:cNvPicPr>
-            <a:picLocks noChangeAspect="1"/>
-          </p:cNvPicPr>
-          <p:nvPr/>
-        </p:nvPicPr>
-        <p:blipFill>
-          <a:blip r:embed="rId2"/>
-          <a:stretch>
-            <a:fillRect/>
-          </a:stretch>
-        </p:blipFill>
-        <p:spPr>
-          <a:xfrm>
-            <a:off x="1335392" y="1803654"/>
-            <a:ext cx="9728578" cy="4578096"/>
-          </a:xfrm>
-          <a:prstGeom prst="rect">
-            <a:avLst/>
-          </a:prstGeom>
-        </p:spPr>
-      </p:pic>
-      <p:sp>
-        <p:nvSpPr>
-          <p:cNvPr id="6" name="Szövegdoboz 5">
-            <a:extLst>
-              <a:ext uri="{FF2B5EF4-FFF2-40B4-BE49-F238E27FC236}">
-                <a16:creationId xmlns:a16="http://schemas.microsoft.com/office/drawing/2014/main" id="{B01D22AD-D300-4A43-A88B-9D140738B514}"/>
-              </a:ext>
-            </a:extLst>
-          </p:cNvPr>
-          <p:cNvSpPr txBox="1"/>
-          <p:nvPr/>
-        </p:nvSpPr>
-        <p:spPr>
-          <a:xfrm>
-            <a:off x="1335392" y="476250"/>
-            <a:ext cx="9728578" cy="1323439"/>
-          </a:xfrm>
-          <a:prstGeom prst="rect">
-            <a:avLst/>
-          </a:prstGeom>
-          <a:noFill/>
-        </p:spPr>
-        <p:txBody>
-          <a:bodyPr wrap="square" rtlCol="0">
-            <a:spAutoFit/>
-          </a:bodyPr>
-          <a:lstStyle/>
-          <a:p>
-            <a:pPr algn="ctr"/>
-            <a:r>
-              <a:rPr lang="hu-HU" sz="4000" b="1" i="0" dirty="0">
-                <a:solidFill>
-                  <a:schemeClr val="bg1">
-                    <a:lumMod val="95000"/>
-                  </a:schemeClr>
-                </a:solidFill>
-                <a:effectLst/>
-              </a:rPr>
-              <a:t>Milyen sűrűn szokott utazni, a hétköznapi közlekedésen kívül?</a:t>
-            </a:r>
-            <a:endParaRPr lang="hu-HU" sz="4000" b="1" dirty="0">
-              <a:solidFill>
-                <a:schemeClr val="bg1">
-                  <a:lumMod val="95000"/>
-                </a:schemeClr>
-              </a:solidFill>
-            </a:endParaRPr>
           </a:p>
         </p:txBody>
       </p:sp>
     </p:spTree>
     <p:extLst>
       <p:ext uri="{BB962C8B-B14F-4D97-AF65-F5344CB8AC3E}">
-        <p14:creationId xmlns:p14="http://schemas.microsoft.com/office/powerpoint/2010/main" val="3588874732"/>
+        <p14:creationId xmlns:p14="http://schemas.microsoft.com/office/powerpoint/2010/main" val="4205997995"/>
       </p:ext>
     </p:extLst>
   </p:cSld>
@@ -4115,81 +4540,52 @@
           <a:chExt cx="0" cy="0"/>
         </a:xfrm>
       </p:grpSpPr>
-      <p:pic>
-        <p:nvPicPr>
-          <p:cNvPr id="2" name="Kép 1">
-            <a:extLst>
-              <a:ext uri="{FF2B5EF4-FFF2-40B4-BE49-F238E27FC236}">
-                <a16:creationId xmlns:a16="http://schemas.microsoft.com/office/drawing/2014/main" id="{6906FBA5-A5A8-4003-9C47-A1957B50031E}"/>
-              </a:ext>
-            </a:extLst>
-          </p:cNvPr>
-          <p:cNvPicPr>
-            <a:picLocks noChangeAspect="1"/>
-          </p:cNvPicPr>
-          <p:nvPr/>
-        </p:nvPicPr>
-        <p:blipFill>
-          <a:blip r:embed="rId2"/>
-          <a:stretch>
-            <a:fillRect/>
-          </a:stretch>
-        </p:blipFill>
-        <p:spPr>
-          <a:xfrm>
-            <a:off x="1365504" y="1798182"/>
-            <a:ext cx="9753600" cy="4529466"/>
-          </a:xfrm>
-          <a:prstGeom prst="rect">
-            <a:avLst/>
-          </a:prstGeom>
-        </p:spPr>
-      </p:pic>
-      <p:sp>
-        <p:nvSpPr>
-          <p:cNvPr id="7" name="Szövegdoboz 6">
-            <a:extLst>
-              <a:ext uri="{FF2B5EF4-FFF2-40B4-BE49-F238E27FC236}">
-                <a16:creationId xmlns:a16="http://schemas.microsoft.com/office/drawing/2014/main" id="{36E99A7D-4CEA-475E-B42E-AE0F36010DCB}"/>
-              </a:ext>
-            </a:extLst>
-          </p:cNvPr>
-          <p:cNvSpPr txBox="1"/>
-          <p:nvPr/>
-        </p:nvSpPr>
-        <p:spPr>
-          <a:xfrm>
-            <a:off x="3048000" y="530352"/>
-            <a:ext cx="6096000" cy="1323439"/>
-          </a:xfrm>
-          <a:prstGeom prst="rect">
-            <a:avLst/>
-          </a:prstGeom>
-          <a:noFill/>
-        </p:spPr>
-        <p:txBody>
-          <a:bodyPr wrap="square" rtlCol="0">
-            <a:spAutoFit/>
-          </a:bodyPr>
-          <a:lstStyle>
-            <a:defPPr>
-              <a:defRPr lang="hu-HU"/>
-            </a:defPPr>
-            <a:lvl1pPr algn="ctr">
-              <a:defRPr sz="4000" b="1" i="0">
-                <a:solidFill>
-                  <a:schemeClr val="bg1">
-                    <a:lumMod val="95000"/>
-                  </a:schemeClr>
-                </a:solidFill>
-                <a:effectLst/>
-              </a:defRPr>
-            </a:lvl1pPr>
-          </a:lstStyle>
+      <p:sp>
+        <p:nvSpPr>
+          <p:cNvPr id="2" name="Cím 1"/>
+          <p:cNvSpPr>
+            <a:spLocks noGrp="1"/>
+          </p:cNvSpPr>
+          <p:nvPr>
+            <p:ph type="title"/>
+          </p:nvPr>
+        </p:nvSpPr>
+        <p:spPr/>
+        <p:txBody>
+          <a:bodyPr/>
+          <a:lstStyle/>
           <a:p>
             <a:r>
               <a:rPr lang="hu-HU" dirty="0"/>
-              <a:t>Utazásai célpontja legtöbbször...</a:t>
+              <a:t>Hálózat fejlesztése</a:t>
+            </a:r>
+          </a:p>
+        </p:txBody>
+      </p:sp>
+      <p:sp>
+        <p:nvSpPr>
+          <p:cNvPr id="3" name="Tartalom helye 2"/>
+          <p:cNvSpPr>
+            <a:spLocks noGrp="1"/>
+          </p:cNvSpPr>
+          <p:nvPr>
+            <p:ph idx="1"/>
+          </p:nvPr>
+        </p:nvSpPr>
+        <p:spPr/>
+        <p:txBody>
+          <a:bodyPr/>
+          <a:lstStyle/>
+          <a:p>
+            <a:r>
+              <a:rPr lang="hu-HU" dirty="0"/>
+              <a:t>Windows 10</a:t>
+            </a:r>
+          </a:p>
+          <a:p>
+            <a:r>
+              <a:rPr lang="hu-HU" dirty="0"/>
+              <a:t>Magas szintű karbantartás</a:t>
             </a:r>
           </a:p>
         </p:txBody>
@@ -4197,7 +4593,7 @@
     </p:spTree>
     <p:extLst>
       <p:ext uri="{BB962C8B-B14F-4D97-AF65-F5344CB8AC3E}">
-        <p14:creationId xmlns:p14="http://schemas.microsoft.com/office/powerpoint/2010/main" val="2912495386"/>
+        <p14:creationId xmlns:p14="http://schemas.microsoft.com/office/powerpoint/2010/main" val="2644165943"/>
       </p:ext>
     </p:extLst>
   </p:cSld>
@@ -4226,87 +4622,66 @@
       </p:grpSpPr>
       <p:sp>
         <p:nvSpPr>
-          <p:cNvPr id="4" name="Szövegdoboz 3">
-            <a:extLst>
-              <a:ext uri="{FF2B5EF4-FFF2-40B4-BE49-F238E27FC236}">
-                <a16:creationId xmlns:a16="http://schemas.microsoft.com/office/drawing/2014/main" id="{2CAA3DF8-B0A8-4CF6-9A35-3C43DD2D7B06}"/>
-              </a:ext>
-            </a:extLst>
-          </p:cNvPr>
-          <p:cNvSpPr txBox="1"/>
-          <p:nvPr/>
+          <p:cNvPr id="2" name="Cím 1"/>
+          <p:cNvSpPr>
+            <a:spLocks noGrp="1"/>
+          </p:cNvSpPr>
+          <p:nvPr>
+            <p:ph type="title"/>
+          </p:nvPr>
+        </p:nvSpPr>
+        <p:spPr/>
+        <p:txBody>
+          <a:bodyPr/>
+          <a:lstStyle/>
+          <a:p>
+            <a:r>
+              <a:rPr lang="hu-HU" dirty="0"/>
+              <a:t>Terjeszkedés</a:t>
+            </a:r>
+          </a:p>
+        </p:txBody>
+      </p:sp>
+      <p:sp>
+        <p:nvSpPr>
+          <p:cNvPr id="3" name="Tartalom helye 2"/>
+          <p:cNvSpPr>
+            <a:spLocks noGrp="1"/>
+          </p:cNvSpPr>
+          <p:nvPr>
+            <p:ph idx="1"/>
+          </p:nvPr>
         </p:nvSpPr>
         <p:spPr>
           <a:xfrm>
-            <a:off x="3048000" y="460091"/>
-            <a:ext cx="6096000" cy="1323439"/>
+            <a:off x="838200" y="1894637"/>
+            <a:ext cx="10515600" cy="4351338"/>
           </a:xfrm>
-          <a:prstGeom prst="rect">
-            <a:avLst/>
-          </a:prstGeom>
-          <a:noFill/>
         </p:spPr>
         <p:txBody>
-          <a:bodyPr wrap="square" rtlCol="0">
-            <a:spAutoFit/>
-          </a:bodyPr>
-          <a:lstStyle>
-            <a:defPPr>
-              <a:defRPr lang="hu-HU"/>
-            </a:defPPr>
-            <a:lvl1pPr algn="ctr">
-              <a:defRPr sz="4000" b="1" i="0">
-                <a:solidFill>
-                  <a:schemeClr val="bg1">
-                    <a:lumMod val="95000"/>
-                  </a:schemeClr>
-                </a:solidFill>
-                <a:effectLst/>
-              </a:defRPr>
-            </a:lvl1pPr>
-          </a:lstStyle>
+          <a:bodyPr/>
+          <a:lstStyle/>
           <a:p>
             <a:r>
               <a:rPr lang="hu-HU" dirty="0"/>
-              <a:t>Mit preferál az alábbiak közül?</a:t>
-            </a:r>
-          </a:p>
-        </p:txBody>
-      </p:sp>
-      <p:pic>
-        <p:nvPicPr>
-          <p:cNvPr id="5" name="Kép 4">
-            <a:extLst>
-              <a:ext uri="{FF2B5EF4-FFF2-40B4-BE49-F238E27FC236}">
-                <a16:creationId xmlns:a16="http://schemas.microsoft.com/office/drawing/2014/main" id="{8CDACEC0-84AE-47AD-AC7C-DA8A1E1290B7}"/>
-              </a:ext>
-            </a:extLst>
-          </p:cNvPr>
-          <p:cNvPicPr>
-            <a:picLocks noChangeAspect="1"/>
-          </p:cNvPicPr>
-          <p:nvPr/>
-        </p:nvPicPr>
-        <p:blipFill>
-          <a:blip r:embed="rId2"/>
-          <a:stretch>
-            <a:fillRect/>
-          </a:stretch>
-        </p:blipFill>
-        <p:spPr>
-          <a:xfrm>
-            <a:off x="1061884" y="2509961"/>
-            <a:ext cx="10068232" cy="4001729"/>
-          </a:xfrm>
-          <a:prstGeom prst="rect">
-            <a:avLst/>
-          </a:prstGeom>
-        </p:spPr>
-      </p:pic>
+              <a:t>Számítógépek számának növelése</a:t>
+            </a:r>
+          </a:p>
+          <a:p>
+            <a:r>
+              <a:rPr lang="hu-HU" dirty="0"/>
+              <a:t>Személyzet toborzása</a:t>
+            </a:r>
+          </a:p>
+          <a:p>
+            <a:endParaRPr lang="hu-HU" dirty="0"/>
+          </a:p>
+        </p:txBody>
+      </p:sp>
     </p:spTree>
     <p:extLst>
       <p:ext uri="{BB962C8B-B14F-4D97-AF65-F5344CB8AC3E}">
-        <p14:creationId xmlns:p14="http://schemas.microsoft.com/office/powerpoint/2010/main" val="3160423860"/>
+        <p14:creationId xmlns:p14="http://schemas.microsoft.com/office/powerpoint/2010/main" val="3057315358"/>
       </p:ext>
     </p:extLst>
   </p:cSld>
@@ -4333,89 +4708,57 @@
           <a:chExt cx="0" cy="0"/>
         </a:xfrm>
       </p:grpSpPr>
-      <p:pic>
-        <p:nvPicPr>
-          <p:cNvPr id="2" name="Kép 1">
-            <a:extLst>
-              <a:ext uri="{FF2B5EF4-FFF2-40B4-BE49-F238E27FC236}">
-                <a16:creationId xmlns:a16="http://schemas.microsoft.com/office/drawing/2014/main" id="{FE6D6532-D46F-481A-8B53-1EE75C2DAA57}"/>
-              </a:ext>
-            </a:extLst>
-          </p:cNvPr>
-          <p:cNvPicPr>
-            <a:picLocks noChangeAspect="1"/>
-          </p:cNvPicPr>
-          <p:nvPr/>
-        </p:nvPicPr>
-        <p:blipFill>
-          <a:blip r:embed="rId2"/>
-          <a:stretch>
-            <a:fillRect/>
-          </a:stretch>
-        </p:blipFill>
-        <p:spPr>
-          <a:xfrm>
-            <a:off x="1338470" y="1904859"/>
-            <a:ext cx="9515059" cy="4593477"/>
-          </a:xfrm>
-          <a:prstGeom prst="rect">
-            <a:avLst/>
-          </a:prstGeom>
-        </p:spPr>
-      </p:pic>
-      <p:sp>
-        <p:nvSpPr>
-          <p:cNvPr id="4" name="Szövegdoboz 3">
-            <a:extLst>
-              <a:ext uri="{FF2B5EF4-FFF2-40B4-BE49-F238E27FC236}">
-                <a16:creationId xmlns:a16="http://schemas.microsoft.com/office/drawing/2014/main" id="{C7CFB6CE-FE4C-488C-B9FE-F125DF559AA4}"/>
-              </a:ext>
-            </a:extLst>
-          </p:cNvPr>
-          <p:cNvSpPr txBox="1"/>
-          <p:nvPr/>
-        </p:nvSpPr>
-        <p:spPr>
-          <a:xfrm>
-            <a:off x="3047999" y="491990"/>
-            <a:ext cx="6096000" cy="707886"/>
-          </a:xfrm>
-          <a:prstGeom prst="rect">
-            <a:avLst/>
-          </a:prstGeom>
-          <a:noFill/>
-        </p:spPr>
-        <p:txBody>
-          <a:bodyPr wrap="square" rtlCol="0">
-            <a:spAutoFit/>
-          </a:bodyPr>
-          <a:lstStyle>
-            <a:defPPr>
-              <a:defRPr lang="hu-HU"/>
-            </a:defPPr>
-            <a:lvl1pPr algn="ctr">
-              <a:defRPr sz="4000" b="1" i="0">
-                <a:solidFill>
-                  <a:schemeClr val="bg1">
-                    <a:lumMod val="95000"/>
-                  </a:schemeClr>
-                </a:solidFill>
-                <a:effectLst/>
-              </a:defRPr>
-            </a:lvl1pPr>
-          </a:lstStyle>
+      <p:sp>
+        <p:nvSpPr>
+          <p:cNvPr id="2" name="Cím 1"/>
+          <p:cNvSpPr>
+            <a:spLocks noGrp="1"/>
+          </p:cNvSpPr>
+          <p:nvPr>
+            <p:ph type="title"/>
+          </p:nvPr>
+        </p:nvSpPr>
+        <p:spPr/>
+        <p:txBody>
+          <a:bodyPr/>
+          <a:lstStyle/>
           <a:p>
             <a:r>
               <a:rPr lang="hu-HU" dirty="0"/>
-              <a:t>Családjával szokott utazni?</a:t>
-            </a:r>
+              <a:t>Reklám</a:t>
+            </a:r>
+          </a:p>
+        </p:txBody>
+      </p:sp>
+      <p:sp>
+        <p:nvSpPr>
+          <p:cNvPr id="3" name="Tartalom helye 2"/>
+          <p:cNvSpPr>
+            <a:spLocks noGrp="1"/>
+          </p:cNvSpPr>
+          <p:nvPr>
+            <p:ph idx="1"/>
+          </p:nvPr>
+        </p:nvSpPr>
+        <p:spPr/>
+        <p:txBody>
+          <a:bodyPr/>
+          <a:lstStyle/>
+          <a:p>
+            <a:r>
+              <a:rPr lang="hu-HU" dirty="0"/>
+              <a:t>Több felületen lévő megjelenés</a:t>
+            </a:r>
+          </a:p>
+          <a:p>
+            <a:endParaRPr lang="hu-HU" dirty="0"/>
           </a:p>
         </p:txBody>
       </p:sp>
     </p:spTree>
     <p:extLst>
       <p:ext uri="{BB962C8B-B14F-4D97-AF65-F5344CB8AC3E}">
-        <p14:creationId xmlns:p14="http://schemas.microsoft.com/office/powerpoint/2010/main" val="1222710621"/>
+        <p14:creationId xmlns:p14="http://schemas.microsoft.com/office/powerpoint/2010/main" val="770879847"/>
       </p:ext>
     </p:extLst>
   </p:cSld>
@@ -4444,87 +4787,76 @@
       </p:grpSpPr>
       <p:sp>
         <p:nvSpPr>
-          <p:cNvPr id="4" name="Szövegdoboz 3">
-            <a:extLst>
-              <a:ext uri="{FF2B5EF4-FFF2-40B4-BE49-F238E27FC236}">
-                <a16:creationId xmlns:a16="http://schemas.microsoft.com/office/drawing/2014/main" id="{1B6E6189-D78C-4169-94D0-827245E69516}"/>
-              </a:ext>
-            </a:extLst>
-          </p:cNvPr>
-          <p:cNvSpPr txBox="1"/>
-          <p:nvPr/>
-        </p:nvSpPr>
-        <p:spPr>
-          <a:xfrm>
-            <a:off x="3048000" y="565142"/>
-            <a:ext cx="6096000" cy="1323439"/>
-          </a:xfrm>
-          <a:prstGeom prst="rect">
-            <a:avLst/>
-          </a:prstGeom>
-          <a:noFill/>
-        </p:spPr>
-        <p:txBody>
-          <a:bodyPr wrap="square" rtlCol="0">
-            <a:spAutoFit/>
-          </a:bodyPr>
-          <a:lstStyle>
-            <a:defPPr>
-              <a:defRPr lang="hu-HU"/>
-            </a:defPPr>
-            <a:lvl1pPr algn="ctr">
-              <a:defRPr sz="4000" b="1" i="0">
-                <a:solidFill>
-                  <a:schemeClr val="bg1">
-                    <a:lumMod val="95000"/>
-                  </a:schemeClr>
-                </a:solidFill>
-                <a:effectLst/>
-              </a:defRPr>
-            </a:lvl1pPr>
-          </a:lstStyle>
+          <p:cNvPr id="2" name="Cím 1"/>
+          <p:cNvSpPr>
+            <a:spLocks noGrp="1"/>
+          </p:cNvSpPr>
+          <p:nvPr>
+            <p:ph type="title"/>
+          </p:nvPr>
+        </p:nvSpPr>
+        <p:spPr/>
+        <p:txBody>
+          <a:bodyPr/>
+          <a:lstStyle/>
           <a:p>
             <a:r>
               <a:rPr lang="hu-HU" dirty="0"/>
-              <a:t>Milyen célból szokott utazni?</a:t>
-            </a:r>
-          </a:p>
-        </p:txBody>
-      </p:sp>
-      <p:pic>
-        <p:nvPicPr>
-          <p:cNvPr id="5" name="Kép 4">
-            <a:extLst>
-              <a:ext uri="{FF2B5EF4-FFF2-40B4-BE49-F238E27FC236}">
-                <a16:creationId xmlns:a16="http://schemas.microsoft.com/office/drawing/2014/main" id="{A2768C08-B7EB-48D0-87E8-D3C47B85910F}"/>
-              </a:ext>
-            </a:extLst>
-          </p:cNvPr>
-          <p:cNvPicPr>
-            <a:picLocks noChangeAspect="1"/>
-          </p:cNvPicPr>
-          <p:nvPr/>
-        </p:nvPicPr>
-        <p:blipFill>
-          <a:blip r:embed="rId2"/>
-          <a:stretch>
-            <a:fillRect/>
-          </a:stretch>
-        </p:blipFill>
-        <p:spPr>
-          <a:xfrm>
-            <a:off x="1300162" y="2342426"/>
-            <a:ext cx="9591675" cy="4133850"/>
-          </a:xfrm>
-          <a:prstGeom prst="rect">
-            <a:avLst/>
-          </a:prstGeom>
-        </p:spPr>
-      </p:pic>
+              <a:t>Közvéleménykutatásunk eredményei</a:t>
+            </a:r>
+          </a:p>
+        </p:txBody>
+      </p:sp>
+      <p:sp>
+        <p:nvSpPr>
+          <p:cNvPr id="3" name="Tartalom helye 2"/>
+          <p:cNvSpPr>
+            <a:spLocks noGrp="1"/>
+          </p:cNvSpPr>
+          <p:nvPr>
+            <p:ph idx="1"/>
+          </p:nvPr>
+        </p:nvSpPr>
+        <p:spPr/>
+        <p:txBody>
+          <a:bodyPr/>
+          <a:lstStyle/>
+          <a:p>
+            <a:r>
+              <a:rPr lang="hu-HU" dirty="0"/>
+              <a:t>Hálózat fejlesztése szükséges</a:t>
+            </a:r>
+          </a:p>
+          <a:p>
+            <a:r>
+              <a:rPr lang="hu-HU" dirty="0"/>
+              <a:t>Külföldi kapcsolatok kiépítése</a:t>
+            </a:r>
+          </a:p>
+          <a:p>
+            <a:r>
+              <a:rPr lang="hu-HU" dirty="0"/>
+              <a:t>Kedvezmények </a:t>
+            </a:r>
+          </a:p>
+          <a:p>
+            <a:r>
+              <a:rPr lang="hu-HU" dirty="0"/>
+              <a:t>Törzstagság bevezetése</a:t>
+            </a:r>
+          </a:p>
+          <a:p>
+            <a:r>
+              <a:rPr lang="hu-HU" dirty="0"/>
+              <a:t>Rendszeres frissítés</a:t>
+            </a:r>
+          </a:p>
+        </p:txBody>
+      </p:sp>
     </p:spTree>
     <p:extLst>
       <p:ext uri="{BB962C8B-B14F-4D97-AF65-F5344CB8AC3E}">
-        <p14:creationId xmlns:p14="http://schemas.microsoft.com/office/powerpoint/2010/main" val="1046734372"/>
+        <p14:creationId xmlns:p14="http://schemas.microsoft.com/office/powerpoint/2010/main" val="2498562731"/>
       </p:ext>
     </p:extLst>
   </p:cSld>
@@ -4551,12 +4883,49 @@
           <a:chExt cx="0" cy="0"/>
         </a:xfrm>
       </p:grpSpPr>
+      <p:sp>
+        <p:nvSpPr>
+          <p:cNvPr id="3" name="Tartalom helye 2">
+            <a:extLst>
+              <a:ext uri="{FF2B5EF4-FFF2-40B4-BE49-F238E27FC236}">
+                <a16:creationId xmlns:a16="http://schemas.microsoft.com/office/drawing/2014/main" id="{0F4862DE-C6B8-4163-B534-69C1C32CC2F2}"/>
+              </a:ext>
+            </a:extLst>
+          </p:cNvPr>
+          <p:cNvSpPr>
+            <a:spLocks noGrp="1"/>
+          </p:cNvSpPr>
+          <p:nvPr>
+            <p:ph idx="1"/>
+          </p:nvPr>
+        </p:nvSpPr>
+        <p:spPr>
+          <a:xfrm>
+            <a:off x="838200" y="476250"/>
+            <a:ext cx="10515600" cy="5700713"/>
+          </a:xfrm>
+        </p:spPr>
+        <p:txBody>
+          <a:bodyPr/>
+          <a:lstStyle/>
+          <a:p>
+            <a:pPr marL="0" indent="0">
+              <a:buNone/>
+            </a:pPr>
+            <a:r>
+              <a:rPr lang="en-US" dirty="0"/>
+              <a:t> </a:t>
+            </a:r>
+            <a:endParaRPr lang="hu-HU" dirty="0"/>
+          </a:p>
+        </p:txBody>
+      </p:sp>
       <p:pic>
         <p:nvPicPr>
-          <p:cNvPr id="2" name="Kép 1">
-            <a:extLst>
-              <a:ext uri="{FF2B5EF4-FFF2-40B4-BE49-F238E27FC236}">
-                <a16:creationId xmlns:a16="http://schemas.microsoft.com/office/drawing/2014/main" id="{EFFC8F2B-82DE-43DB-9F4A-C6BE729260C1}"/>
+          <p:cNvPr id="4" name="Kép 3">
+            <a:extLst>
+              <a:ext uri="{FF2B5EF4-FFF2-40B4-BE49-F238E27FC236}">
+                <a16:creationId xmlns:a16="http://schemas.microsoft.com/office/drawing/2014/main" id="{9CC953F0-A410-4282-ADB0-61993E57CB3F}"/>
               </a:ext>
             </a:extLst>
           </p:cNvPr>
@@ -4573,8 +4942,8 @@
         </p:blipFill>
         <p:spPr>
           <a:xfrm>
-            <a:off x="1066800" y="2301094"/>
-            <a:ext cx="10058400" cy="4197242"/>
+            <a:off x="1335392" y="1803654"/>
+            <a:ext cx="9728578" cy="4578096"/>
           </a:xfrm>
           <a:prstGeom prst="rect">
             <a:avLst/>
@@ -4583,10 +4952,10 @@
       </p:pic>
       <p:sp>
         <p:nvSpPr>
-          <p:cNvPr id="4" name="Szövegdoboz 3">
-            <a:extLst>
-              <a:ext uri="{FF2B5EF4-FFF2-40B4-BE49-F238E27FC236}">
-                <a16:creationId xmlns:a16="http://schemas.microsoft.com/office/drawing/2014/main" id="{7B33D8BD-EA23-4278-B5B7-5F6A9A3DC949}"/>
+          <p:cNvPr id="6" name="Szövegdoboz 5">
+            <a:extLst>
+              <a:ext uri="{FF2B5EF4-FFF2-40B4-BE49-F238E27FC236}">
+                <a16:creationId xmlns:a16="http://schemas.microsoft.com/office/drawing/2014/main" id="{B01D22AD-D300-4A43-A88B-9D140738B514}"/>
               </a:ext>
             </a:extLst>
           </p:cNvPr>
@@ -4595,7 +4964,117 @@
         </p:nvSpPr>
         <p:spPr>
           <a:xfrm>
-            <a:off x="3048000" y="601718"/>
+            <a:off x="1335392" y="476250"/>
+            <a:ext cx="9728578" cy="1323439"/>
+          </a:xfrm>
+          <a:prstGeom prst="rect">
+            <a:avLst/>
+          </a:prstGeom>
+          <a:noFill/>
+        </p:spPr>
+        <p:txBody>
+          <a:bodyPr wrap="square" rtlCol="0">
+            <a:spAutoFit/>
+          </a:bodyPr>
+          <a:lstStyle/>
+          <a:p>
+            <a:pPr algn="ctr"/>
+            <a:r>
+              <a:rPr lang="hu-HU" sz="4000" b="1" i="0" dirty="0">
+                <a:solidFill>
+                  <a:schemeClr val="bg1">
+                    <a:lumMod val="95000"/>
+                  </a:schemeClr>
+                </a:solidFill>
+                <a:effectLst/>
+              </a:rPr>
+              <a:t>Milyen sűrűn szokott utazni, a hétköznapi közlekedésen kívül?</a:t>
+            </a:r>
+            <a:endParaRPr lang="hu-HU" sz="4000" b="1" dirty="0">
+              <a:solidFill>
+                <a:schemeClr val="bg1">
+                  <a:lumMod val="95000"/>
+                </a:schemeClr>
+              </a:solidFill>
+            </a:endParaRPr>
+          </a:p>
+        </p:txBody>
+      </p:sp>
+    </p:spTree>
+    <p:extLst>
+      <p:ext uri="{BB962C8B-B14F-4D97-AF65-F5344CB8AC3E}">
+        <p14:creationId xmlns:p14="http://schemas.microsoft.com/office/powerpoint/2010/main" val="3588874732"/>
+      </p:ext>
+    </p:extLst>
+  </p:cSld>
+  <p:clrMapOvr>
+    <a:masterClrMapping/>
+  </p:clrMapOvr>
+</p:sld>
+</file>
+
+<file path=ppt/slides/slide9.xml><?xml version="1.0" encoding="utf-8"?>
+<p:sld xmlns:a="http://schemas.openxmlformats.org/drawingml/2006/main" xmlns:r="http://schemas.openxmlformats.org/officeDocument/2006/relationships" xmlns:p="http://schemas.openxmlformats.org/presentationml/2006/main">
+  <p:cSld>
+    <p:spTree>
+      <p:nvGrpSpPr>
+        <p:cNvPr id="1" name=""/>
+        <p:cNvGrpSpPr/>
+        <p:nvPr/>
+      </p:nvGrpSpPr>
+      <p:grpSpPr>
+        <a:xfrm>
+          <a:off x="0" y="0"/>
+          <a:ext cx="0" cy="0"/>
+          <a:chOff x="0" y="0"/>
+          <a:chExt cx="0" cy="0"/>
+        </a:xfrm>
+      </p:grpSpPr>
+      <p:pic>
+        <p:nvPicPr>
+          <p:cNvPr id="2" name="Kép 1">
+            <a:extLst>
+              <a:ext uri="{FF2B5EF4-FFF2-40B4-BE49-F238E27FC236}">
+                <a16:creationId xmlns:a16="http://schemas.microsoft.com/office/drawing/2014/main" id="{6906FBA5-A5A8-4003-9C47-A1957B50031E}"/>
+              </a:ext>
+            </a:extLst>
+          </p:cNvPr>
+          <p:cNvPicPr>
+            <a:picLocks noChangeAspect="1"/>
+          </p:cNvPicPr>
+          <p:nvPr/>
+        </p:nvPicPr>
+        <p:blipFill>
+          <a:blip r:embed="rId2"/>
+          <a:stretch>
+            <a:fillRect/>
+          </a:stretch>
+        </p:blipFill>
+        <p:spPr>
+          <a:xfrm>
+            <a:off x="1365504" y="1798182"/>
+            <a:ext cx="9753600" cy="4529466"/>
+          </a:xfrm>
+          <a:prstGeom prst="rect">
+            <a:avLst/>
+          </a:prstGeom>
+        </p:spPr>
+      </p:pic>
+      <p:sp>
+        <p:nvSpPr>
+          <p:cNvPr id="7" name="Szövegdoboz 6">
+            <a:extLst>
+              <a:ext uri="{FF2B5EF4-FFF2-40B4-BE49-F238E27FC236}">
+                <a16:creationId xmlns:a16="http://schemas.microsoft.com/office/drawing/2014/main" id="{36E99A7D-4CEA-475E-B42E-AE0F36010DCB}"/>
+              </a:ext>
+            </a:extLst>
+          </p:cNvPr>
+          <p:cNvSpPr txBox="1"/>
+          <p:nvPr/>
+        </p:nvSpPr>
+        <p:spPr>
+          <a:xfrm>
+            <a:off x="3048000" y="530352"/>
             <a:ext cx="6096000" cy="1323439"/>
           </a:xfrm>
           <a:prstGeom prst="rect">
@@ -4625,7 +5104,7 @@
           <a:p>
             <a:r>
               <a:rPr lang="hu-HU" dirty="0"/>
-              <a:t>Mi az igénye a szállással kapcsolatban?</a:t>
+              <a:t>Utazásai célpontja legtöbbször...</a:t>
             </a:r>
           </a:p>
         </p:txBody>
@@ -4633,7 +5112,7 @@
     </p:spTree>
     <p:extLst>
       <p:ext uri="{BB962C8B-B14F-4D97-AF65-F5344CB8AC3E}">
-        <p14:creationId xmlns:p14="http://schemas.microsoft.com/office/powerpoint/2010/main" val="2067255096"/>
+        <p14:creationId xmlns:p14="http://schemas.microsoft.com/office/powerpoint/2010/main" val="2912495386"/>
       </p:ext>
     </p:extLst>
   </p:cSld>

--- a/netetmatat-ppt.pptx
+++ b/netetmatat-ppt.pptx
@@ -4,6 +4,9 @@
   <p:sldMasterIdLst>
     <p:sldMasterId id="2147483648" r:id="rId1"/>
   </p:sldMasterIdLst>
+  <p:handoutMasterIdLst>
+    <p:handoutMasterId r:id="rId14"/>
+  </p:handoutMasterIdLst>
   <p:sldIdLst>
     <p:sldId id="257" r:id="rId2"/>
     <p:sldId id="258" r:id="rId3"/>
@@ -11,13 +14,12 @@
     <p:sldId id="265" r:id="rId5"/>
     <p:sldId id="266" r:id="rId6"/>
     <p:sldId id="267" r:id="rId7"/>
-    <p:sldId id="268" r:id="rId8"/>
-    <p:sldId id="259" r:id="rId9"/>
-    <p:sldId id="260" r:id="rId10"/>
-    <p:sldId id="262" r:id="rId11"/>
-    <p:sldId id="263" r:id="rId12"/>
-    <p:sldId id="269" r:id="rId13"/>
-    <p:sldId id="270" r:id="rId14"/>
+    <p:sldId id="259" r:id="rId8"/>
+    <p:sldId id="260" r:id="rId9"/>
+    <p:sldId id="263" r:id="rId10"/>
+    <p:sldId id="268" r:id="rId11"/>
+    <p:sldId id="269" r:id="rId12"/>
+    <p:sldId id="270" r:id="rId13"/>
   </p:sldIdLst>
   <p:sldSz cx="12192000" cy="6858000"/>
   <p:notesSz cx="6858000" cy="9144000"/>
@@ -120,8 +122,176 @@
     <p:ext uri="{EFAFB233-063F-42B5-8137-9DF3F51BA10A}">
       <p15:sldGuideLst xmlns:p15="http://schemas.microsoft.com/office/powerpoint/2012/main"/>
     </p:ext>
+    <p:ext uri="{2D200454-40CA-4A62-9FC3-DE9A4176ACB9}">
+      <p15:notesGuideLst xmlns:p15="http://schemas.microsoft.com/office/powerpoint/2012/main"/>
+    </p:ext>
   </p:extLst>
 </p:presentation>
+</file>
+
+<file path=ppt/handoutMasters/handoutMaster1.xml><?xml version="1.0" encoding="utf-8"?>
+<p:handoutMaster xmlns:a="http://schemas.openxmlformats.org/drawingml/2006/main" xmlns:r="http://schemas.openxmlformats.org/officeDocument/2006/relationships" xmlns:p="http://schemas.openxmlformats.org/presentationml/2006/main">
+  <p:cSld>
+    <p:bg>
+      <p:bgRef idx="1001">
+        <a:schemeClr val="bg1"/>
+      </p:bgRef>
+    </p:bg>
+    <p:spTree>
+      <p:nvGrpSpPr>
+        <p:cNvPr id="1" name=""/>
+        <p:cNvGrpSpPr/>
+        <p:nvPr/>
+      </p:nvGrpSpPr>
+      <p:grpSpPr>
+        <a:xfrm>
+          <a:off x="0" y="0"/>
+          <a:ext cx="0" cy="0"/>
+          <a:chOff x="0" y="0"/>
+          <a:chExt cx="0" cy="0"/>
+        </a:xfrm>
+      </p:grpSpPr>
+      <p:sp>
+        <p:nvSpPr>
+          <p:cNvPr id="2" name="Élőfej helye 1"/>
+          <p:cNvSpPr>
+            <a:spLocks noGrp="1"/>
+          </p:cNvSpPr>
+          <p:nvPr>
+            <p:ph type="hdr" sz="quarter"/>
+          </p:nvPr>
+        </p:nvSpPr>
+        <p:spPr>
+          <a:xfrm>
+            <a:off x="0" y="0"/>
+            <a:ext cx="2971800" cy="458788"/>
+          </a:xfrm>
+          <a:prstGeom prst="rect">
+            <a:avLst/>
+          </a:prstGeom>
+        </p:spPr>
+        <p:txBody>
+          <a:bodyPr vert="horz" lIns="91440" tIns="45720" rIns="91440" bIns="45720" rtlCol="0"/>
+          <a:lstStyle>
+            <a:lvl1pPr algn="l">
+              <a:defRPr sz="1200"/>
+            </a:lvl1pPr>
+          </a:lstStyle>
+          <a:p>
+            <a:endParaRPr lang="hu-HU"/>
+          </a:p>
+        </p:txBody>
+      </p:sp>
+      <p:sp>
+        <p:nvSpPr>
+          <p:cNvPr id="3" name="Dátum helye 2"/>
+          <p:cNvSpPr>
+            <a:spLocks noGrp="1"/>
+          </p:cNvSpPr>
+          <p:nvPr>
+            <p:ph type="dt" sz="quarter" idx="1"/>
+          </p:nvPr>
+        </p:nvSpPr>
+        <p:spPr>
+          <a:xfrm>
+            <a:off x="3884613" y="0"/>
+            <a:ext cx="2971800" cy="458788"/>
+          </a:xfrm>
+          <a:prstGeom prst="rect">
+            <a:avLst/>
+          </a:prstGeom>
+        </p:spPr>
+        <p:txBody>
+          <a:bodyPr vert="horz" lIns="91440" tIns="45720" rIns="91440" bIns="45720" rtlCol="0"/>
+          <a:lstStyle>
+            <a:lvl1pPr algn="r">
+              <a:defRPr sz="1200"/>
+            </a:lvl1pPr>
+          </a:lstStyle>
+          <a:p>
+            <a:fld id="{84D291F9-898E-4E49-8F95-B9BAB26B15AA}" type="datetimeFigureOut">
+              <a:rPr lang="hu-HU" smtClean="0"/>
+              <a:t>2021. 12. 12.</a:t>
+            </a:fld>
+            <a:endParaRPr lang="hu-HU"/>
+          </a:p>
+        </p:txBody>
+      </p:sp>
+      <p:sp>
+        <p:nvSpPr>
+          <p:cNvPr id="4" name="Élőláb helye 3"/>
+          <p:cNvSpPr>
+            <a:spLocks noGrp="1"/>
+          </p:cNvSpPr>
+          <p:nvPr>
+            <p:ph type="ftr" sz="quarter" idx="2"/>
+          </p:nvPr>
+        </p:nvSpPr>
+        <p:spPr>
+          <a:xfrm>
+            <a:off x="0" y="8685213"/>
+            <a:ext cx="2971800" cy="458787"/>
+          </a:xfrm>
+          <a:prstGeom prst="rect">
+            <a:avLst/>
+          </a:prstGeom>
+        </p:spPr>
+        <p:txBody>
+          <a:bodyPr vert="horz" lIns="91440" tIns="45720" rIns="91440" bIns="45720" rtlCol="0" anchor="b"/>
+          <a:lstStyle>
+            <a:lvl1pPr algn="l">
+              <a:defRPr sz="1200"/>
+            </a:lvl1pPr>
+          </a:lstStyle>
+          <a:p>
+            <a:endParaRPr lang="hu-HU"/>
+          </a:p>
+        </p:txBody>
+      </p:sp>
+      <p:sp>
+        <p:nvSpPr>
+          <p:cNvPr id="5" name="Dia számának helye 4"/>
+          <p:cNvSpPr>
+            <a:spLocks noGrp="1"/>
+          </p:cNvSpPr>
+          <p:nvPr>
+            <p:ph type="sldNum" sz="quarter" idx="3"/>
+          </p:nvPr>
+        </p:nvSpPr>
+        <p:spPr>
+          <a:xfrm>
+            <a:off x="3884613" y="8685213"/>
+            <a:ext cx="2971800" cy="458787"/>
+          </a:xfrm>
+          <a:prstGeom prst="rect">
+            <a:avLst/>
+          </a:prstGeom>
+        </p:spPr>
+        <p:txBody>
+          <a:bodyPr vert="horz" lIns="91440" tIns="45720" rIns="91440" bIns="45720" rtlCol="0" anchor="b"/>
+          <a:lstStyle>
+            <a:lvl1pPr algn="r">
+              <a:defRPr sz="1200"/>
+            </a:lvl1pPr>
+          </a:lstStyle>
+          <a:p>
+            <a:fld id="{AC43282D-0313-4E65-B98A-90479964EE05}" type="slidenum">
+              <a:rPr lang="hu-HU" smtClean="0"/>
+              <a:t>‹#›</a:t>
+            </a:fld>
+            <a:endParaRPr lang="hu-HU"/>
+          </a:p>
+        </p:txBody>
+      </p:sp>
+    </p:spTree>
+    <p:extLst>
+      <p:ext uri="{BB962C8B-B14F-4D97-AF65-F5344CB8AC3E}">
+        <p14:creationId xmlns:p14="http://schemas.microsoft.com/office/powerpoint/2010/main" val="3115884723"/>
+      </p:ext>
+    </p:extLst>
+  </p:cSld>
+  <p:clrMap bg1="lt1" tx1="dk1" bg2="lt2" tx2="dk2" accent1="accent1" accent2="accent2" accent3="accent3" accent4="accent4" accent5="accent5" accent6="accent6" hlink="hlink" folHlink="folHlink"/>
+</p:handoutMaster>
 </file>
 
 <file path=ppt/slideLayouts/slideLayout1.xml><?xml version="1.0" encoding="utf-8"?>
@@ -786,10 +956,14 @@
         <p:spPr/>
         <p:txBody>
           <a:bodyPr/>
-          <a:lstStyle/>
-          <a:p>
-            <a:r>
-              <a:rPr lang="hu-HU"/>
+          <a:lstStyle>
+            <a:lvl1pPr>
+              <a:defRPr sz="4400"/>
+            </a:lvl1pPr>
+          </a:lstStyle>
+          <a:p>
+            <a:r>
+              <a:rPr lang="hu-HU" dirty="0"/>
               <a:t>Mintacím szerkesztése</a:t>
             </a:r>
           </a:p>
@@ -814,39 +988,43 @@
         <p:spPr/>
         <p:txBody>
           <a:bodyPr/>
-          <a:lstStyle/>
+          <a:lstStyle>
+            <a:lvl1pPr>
+              <a:defRPr sz="3200"/>
+            </a:lvl1pPr>
+          </a:lstStyle>
           <a:p>
             <a:pPr lvl="0"/>
             <a:r>
-              <a:rPr lang="hu-HU"/>
+              <a:rPr lang="hu-HU" dirty="0"/>
               <a:t>Mintaszöveg szerkesztése</a:t>
             </a:r>
           </a:p>
           <a:p>
             <a:pPr lvl="1"/>
             <a:r>
-              <a:rPr lang="hu-HU"/>
+              <a:rPr lang="hu-HU" dirty="0"/>
               <a:t>Második szint</a:t>
             </a:r>
           </a:p>
           <a:p>
             <a:pPr lvl="2"/>
             <a:r>
-              <a:rPr lang="hu-HU"/>
+              <a:rPr lang="hu-HU" dirty="0"/>
               <a:t>Harmadik szint</a:t>
             </a:r>
           </a:p>
           <a:p>
             <a:pPr lvl="3"/>
             <a:r>
-              <a:rPr lang="hu-HU"/>
+              <a:rPr lang="hu-HU" dirty="0"/>
               <a:t>Negyedik szint</a:t>
             </a:r>
           </a:p>
           <a:p>
             <a:pPr lvl="4"/>
             <a:r>
-              <a:rPr lang="hu-HU"/>
+              <a:rPr lang="hu-HU" dirty="0"/>
               <a:t>Ötödik szint</a:t>
             </a:r>
           </a:p>
@@ -3101,7 +3279,7 @@
         </a:spcBef>
         <a:buFont typeface="Arial" panose="020B0604020202020204" pitchFamily="34" charset="0"/>
         <a:buChar char="•"/>
-        <a:defRPr sz="2800" kern="1200">
+        <a:defRPr sz="3600" kern="1200">
           <a:solidFill>
             <a:schemeClr val="bg1"/>
           </a:solidFill>
@@ -3883,81 +4061,72 @@
           <a:chExt cx="0" cy="0"/>
         </a:xfrm>
       </p:grpSpPr>
-      <p:pic>
-        <p:nvPicPr>
-          <p:cNvPr id="2" name="Kép 1">
-            <a:extLst>
-              <a:ext uri="{FF2B5EF4-FFF2-40B4-BE49-F238E27FC236}">
-                <a16:creationId xmlns:a16="http://schemas.microsoft.com/office/drawing/2014/main" id="{FE6D6532-D46F-481A-8B53-1EE75C2DAA57}"/>
-              </a:ext>
-            </a:extLst>
-          </p:cNvPr>
-          <p:cNvPicPr>
-            <a:picLocks noChangeAspect="1"/>
-          </p:cNvPicPr>
-          <p:nvPr/>
-        </p:nvPicPr>
-        <p:blipFill>
-          <a:blip r:embed="rId2"/>
-          <a:stretch>
-            <a:fillRect/>
-          </a:stretch>
-        </p:blipFill>
-        <p:spPr>
-          <a:xfrm>
-            <a:off x="1338470" y="1904859"/>
-            <a:ext cx="9515059" cy="4593477"/>
-          </a:xfrm>
-          <a:prstGeom prst="rect">
-            <a:avLst/>
-          </a:prstGeom>
-        </p:spPr>
-      </p:pic>
-      <p:sp>
-        <p:nvSpPr>
-          <p:cNvPr id="4" name="Szövegdoboz 3">
-            <a:extLst>
-              <a:ext uri="{FF2B5EF4-FFF2-40B4-BE49-F238E27FC236}">
-                <a16:creationId xmlns:a16="http://schemas.microsoft.com/office/drawing/2014/main" id="{C7CFB6CE-FE4C-488C-B9FE-F125DF559AA4}"/>
-              </a:ext>
-            </a:extLst>
-          </p:cNvPr>
-          <p:cNvSpPr txBox="1"/>
-          <p:nvPr/>
-        </p:nvSpPr>
-        <p:spPr>
-          <a:xfrm>
-            <a:off x="3047999" y="491990"/>
-            <a:ext cx="6096000" cy="707886"/>
-          </a:xfrm>
-          <a:prstGeom prst="rect">
-            <a:avLst/>
-          </a:prstGeom>
-          <a:noFill/>
-        </p:spPr>
-        <p:txBody>
-          <a:bodyPr wrap="square" rtlCol="0">
-            <a:spAutoFit/>
+      <p:sp>
+        <p:nvSpPr>
+          <p:cNvPr id="2" name="Cím 1"/>
+          <p:cNvSpPr>
+            <a:spLocks noGrp="1"/>
+          </p:cNvSpPr>
+          <p:nvPr>
+            <p:ph type="title"/>
+          </p:nvPr>
+        </p:nvSpPr>
+        <p:spPr/>
+        <p:txBody>
+          <a:bodyPr>
+            <a:normAutofit/>
           </a:bodyPr>
-          <a:lstStyle>
-            <a:defPPr>
-              <a:defRPr lang="hu-HU"/>
-            </a:defPPr>
-            <a:lvl1pPr algn="ctr">
-              <a:defRPr sz="4000" b="1" i="0">
-                <a:solidFill>
-                  <a:schemeClr val="bg1">
-                    <a:lumMod val="95000"/>
-                  </a:schemeClr>
-                </a:solidFill>
-                <a:effectLst/>
-              </a:defRPr>
-            </a:lvl1pPr>
-          </a:lstStyle>
+          <a:lstStyle/>
           <a:p>
             <a:r>
               <a:rPr lang="hu-HU" dirty="0"/>
-              <a:t>Családjával szokott utazni?</a:t>
+              <a:t>Közvéleménykutatásunk eredményei</a:t>
+            </a:r>
+          </a:p>
+        </p:txBody>
+      </p:sp>
+      <p:sp>
+        <p:nvSpPr>
+          <p:cNvPr id="3" name="Tartalom helye 2"/>
+          <p:cNvSpPr>
+            <a:spLocks noGrp="1"/>
+          </p:cNvSpPr>
+          <p:nvPr>
+            <p:ph idx="1"/>
+          </p:nvPr>
+        </p:nvSpPr>
+        <p:spPr/>
+        <p:txBody>
+          <a:bodyPr/>
+          <a:lstStyle/>
+          <a:p>
+            <a:r>
+              <a:rPr lang="hu-HU" dirty="0"/>
+              <a:t>Hálózat fejlesztése szükséges</a:t>
+            </a:r>
+          </a:p>
+          <a:p>
+            <a:r>
+              <a:rPr lang="hu-HU" dirty="0"/>
+              <a:t>Külföldi kapcsolatok kiépítése</a:t>
+            </a:r>
+          </a:p>
+          <a:p>
+            <a:r>
+              <a:rPr lang="hu-HU" dirty="0"/>
+              <a:t>Kedvezmények </a:t>
+            </a:r>
+          </a:p>
+          <a:p>
+            <a:r>
+              <a:rPr lang="hu-HU" dirty="0"/>
+              <a:t>Törzstagság bevezetése</a:t>
+            </a:r>
+          </a:p>
+          <a:p>
+            <a:r>
+              <a:rPr lang="hu-HU" dirty="0"/>
+              <a:t>Rendszeres frissítés</a:t>
             </a:r>
           </a:p>
         </p:txBody>
@@ -3965,7 +4134,7 @@
     </p:spTree>
     <p:extLst>
       <p:ext uri="{BB962C8B-B14F-4D97-AF65-F5344CB8AC3E}">
-        <p14:creationId xmlns:p14="http://schemas.microsoft.com/office/powerpoint/2010/main" val="1222710621"/>
+        <p14:creationId xmlns:p14="http://schemas.microsoft.com/office/powerpoint/2010/main" val="2498562731"/>
       </p:ext>
     </p:extLst>
   </p:cSld>
@@ -3994,115 +4163,6 @@
       </p:grpSpPr>
       <p:sp>
         <p:nvSpPr>
-          <p:cNvPr id="4" name="Szövegdoboz 3">
-            <a:extLst>
-              <a:ext uri="{FF2B5EF4-FFF2-40B4-BE49-F238E27FC236}">
-                <a16:creationId xmlns:a16="http://schemas.microsoft.com/office/drawing/2014/main" id="{1B6E6189-D78C-4169-94D0-827245E69516}"/>
-              </a:ext>
-            </a:extLst>
-          </p:cNvPr>
-          <p:cNvSpPr txBox="1"/>
-          <p:nvPr/>
-        </p:nvSpPr>
-        <p:spPr>
-          <a:xfrm>
-            <a:off x="3048000" y="565142"/>
-            <a:ext cx="6096000" cy="1323439"/>
-          </a:xfrm>
-          <a:prstGeom prst="rect">
-            <a:avLst/>
-          </a:prstGeom>
-          <a:noFill/>
-        </p:spPr>
-        <p:txBody>
-          <a:bodyPr wrap="square" rtlCol="0">
-            <a:spAutoFit/>
-          </a:bodyPr>
-          <a:lstStyle>
-            <a:defPPr>
-              <a:defRPr lang="hu-HU"/>
-            </a:defPPr>
-            <a:lvl1pPr algn="ctr">
-              <a:defRPr sz="4000" b="1" i="0">
-                <a:solidFill>
-                  <a:schemeClr val="bg1">
-                    <a:lumMod val="95000"/>
-                  </a:schemeClr>
-                </a:solidFill>
-                <a:effectLst/>
-              </a:defRPr>
-            </a:lvl1pPr>
-          </a:lstStyle>
-          <a:p>
-            <a:r>
-              <a:rPr lang="hu-HU" dirty="0"/>
-              <a:t>Milyen célból szokott utazni?</a:t>
-            </a:r>
-          </a:p>
-        </p:txBody>
-      </p:sp>
-      <p:pic>
-        <p:nvPicPr>
-          <p:cNvPr id="5" name="Kép 4">
-            <a:extLst>
-              <a:ext uri="{FF2B5EF4-FFF2-40B4-BE49-F238E27FC236}">
-                <a16:creationId xmlns:a16="http://schemas.microsoft.com/office/drawing/2014/main" id="{A2768C08-B7EB-48D0-87E8-D3C47B85910F}"/>
-              </a:ext>
-            </a:extLst>
-          </p:cNvPr>
-          <p:cNvPicPr>
-            <a:picLocks noChangeAspect="1"/>
-          </p:cNvPicPr>
-          <p:nvPr/>
-        </p:nvPicPr>
-        <p:blipFill>
-          <a:blip r:embed="rId2"/>
-          <a:stretch>
-            <a:fillRect/>
-          </a:stretch>
-        </p:blipFill>
-        <p:spPr>
-          <a:xfrm>
-            <a:off x="1300162" y="2342426"/>
-            <a:ext cx="9591675" cy="4133850"/>
-          </a:xfrm>
-          <a:prstGeom prst="rect">
-            <a:avLst/>
-          </a:prstGeom>
-        </p:spPr>
-      </p:pic>
-    </p:spTree>
-    <p:extLst>
-      <p:ext uri="{BB962C8B-B14F-4D97-AF65-F5344CB8AC3E}">
-        <p14:creationId xmlns:p14="http://schemas.microsoft.com/office/powerpoint/2010/main" val="1046734372"/>
-      </p:ext>
-    </p:extLst>
-  </p:cSld>
-  <p:clrMapOvr>
-    <a:masterClrMapping/>
-  </p:clrMapOvr>
-</p:sld>
-</file>
-
-<file path=ppt/slides/slide12.xml><?xml version="1.0" encoding="utf-8"?>
-<p:sld xmlns:a="http://schemas.openxmlformats.org/drawingml/2006/main" xmlns:r="http://schemas.openxmlformats.org/officeDocument/2006/relationships" xmlns:p="http://schemas.openxmlformats.org/presentationml/2006/main">
-  <p:cSld>
-    <p:spTree>
-      <p:nvGrpSpPr>
-        <p:cNvPr id="1" name=""/>
-        <p:cNvGrpSpPr/>
-        <p:nvPr/>
-      </p:nvGrpSpPr>
-      <p:grpSpPr>
-        <a:xfrm>
-          <a:off x="0" y="0"/>
-          <a:ext cx="0" cy="0"/>
-          <a:chOff x="0" y="0"/>
-          <a:chExt cx="0" cy="0"/>
-        </a:xfrm>
-      </p:grpSpPr>
-      <p:sp>
-        <p:nvSpPr>
           <p:cNvPr id="2" name="Cím 1"/>
           <p:cNvSpPr>
             <a:spLocks noGrp="1"/>
@@ -4174,7 +4234,7 @@
 </p:sld>
 </file>
 
-<file path=ppt/slides/slide13.xml><?xml version="1.0" encoding="utf-8"?>
+<file path=ppt/slides/slide12.xml><?xml version="1.0" encoding="utf-8"?>
 <p:sld xmlns:a="http://schemas.openxmlformats.org/drawingml/2006/main" xmlns:r="http://schemas.openxmlformats.org/officeDocument/2006/relationships" xmlns:p="http://schemas.openxmlformats.org/presentationml/2006/main">
   <p:cSld>
     <p:spTree>
@@ -4393,14 +4453,15 @@
           <a:lstStyle/>
           <a:p>
             <a:r>
+              <a:rPr lang="hu-HU" sz="3600" dirty="0" err="1"/>
+              <a:t>Bemtatkozás</a:t>
+            </a:r>
+            <a:endParaRPr lang="hu-HU" sz="3600" dirty="0"/>
+          </a:p>
+          <a:p>
+            <a:r>
               <a:rPr lang="hu-HU" sz="3600" dirty="0"/>
-              <a:t>Foglalkozásunk</a:t>
-            </a:r>
-          </a:p>
-          <a:p>
-            <a:r>
-              <a:rPr lang="hu-HU" sz="3600" dirty="0"/>
-              <a:t>Tagjaink: </a:t>
+              <a:t>Munkatársaink: </a:t>
             </a:r>
           </a:p>
           <a:p>
@@ -4432,7 +4493,7 @@
             <a:pPr lvl="1"/>
             <a:r>
               <a:rPr lang="hu-HU" sz="3600" dirty="0"/>
-              <a:t>Továbbiak </a:t>
+              <a:t>Segítő munkatársaink</a:t>
             </a:r>
           </a:p>
         </p:txBody>
@@ -4574,12 +4635,32 @@
         </p:nvSpPr>
         <p:spPr/>
         <p:txBody>
-          <a:bodyPr/>
+          <a:bodyPr>
+            <a:normAutofit/>
+          </a:bodyPr>
           <a:lstStyle/>
           <a:p>
             <a:r>
               <a:rPr lang="hu-HU" dirty="0"/>
-              <a:t>Windows 10</a:t>
+              <a:t>Windows 11</a:t>
+            </a:r>
+          </a:p>
+          <a:p>
+            <a:r>
+              <a:rPr lang="hu-HU" dirty="0"/>
+              <a:t>Tűzfal</a:t>
+            </a:r>
+          </a:p>
+          <a:p>
+            <a:r>
+              <a:rPr lang="hu-HU" dirty="0"/>
+              <a:t>Hálózat biztonsága</a:t>
+            </a:r>
+          </a:p>
+          <a:p>
+            <a:r>
+              <a:rPr lang="hu-HU" dirty="0"/>
+              <a:t>Új, erősebb ezközök</a:t>
             </a:r>
           </a:p>
           <a:p>
@@ -4587,6 +4668,9 @@
               <a:rPr lang="hu-HU" dirty="0"/>
               <a:t>Magas szintű karbantartás</a:t>
             </a:r>
+          </a:p>
+          <a:p>
+            <a:endParaRPr lang="hu-HU" dirty="0"/>
           </a:p>
         </p:txBody>
       </p:sp>
@@ -4787,29 +4871,13 @@
       </p:grpSpPr>
       <p:sp>
         <p:nvSpPr>
-          <p:cNvPr id="2" name="Cím 1"/>
-          <p:cNvSpPr>
-            <a:spLocks noGrp="1"/>
-          </p:cNvSpPr>
-          <p:nvPr>
-            <p:ph type="title"/>
-          </p:nvPr>
-        </p:nvSpPr>
-        <p:spPr/>
-        <p:txBody>
-          <a:bodyPr/>
-          <a:lstStyle/>
-          <a:p>
-            <a:r>
-              <a:rPr lang="hu-HU" dirty="0"/>
-              <a:t>Közvéleménykutatásunk eredményei</a:t>
-            </a:r>
-          </a:p>
-        </p:txBody>
-      </p:sp>
-      <p:sp>
-        <p:nvSpPr>
-          <p:cNvPr id="3" name="Tartalom helye 2"/>
+          <p:cNvPr id="3" name="Tartalom helye 2">
+            <a:extLst>
+              <a:ext uri="{FF2B5EF4-FFF2-40B4-BE49-F238E27FC236}">
+                <a16:creationId xmlns:a16="http://schemas.microsoft.com/office/drawing/2014/main" id="{0F4862DE-C6B8-4163-B534-69C1C32CC2F2}"/>
+              </a:ext>
+            </a:extLst>
+          </p:cNvPr>
           <p:cNvSpPr>
             <a:spLocks noGrp="1"/>
           </p:cNvSpPr>
@@ -4817,46 +4885,61 @@
             <p:ph idx="1"/>
           </p:nvPr>
         </p:nvSpPr>
-        <p:spPr/>
-        <p:txBody>
-          <a:bodyPr/>
-          <a:lstStyle/>
-          <a:p>
-            <a:r>
-              <a:rPr lang="hu-HU" dirty="0"/>
-              <a:t>Hálózat fejlesztése szükséges</a:t>
-            </a:r>
-          </a:p>
-          <a:p>
-            <a:r>
-              <a:rPr lang="hu-HU" dirty="0"/>
-              <a:t>Külföldi kapcsolatok kiépítése</a:t>
-            </a:r>
-          </a:p>
-          <a:p>
-            <a:r>
-              <a:rPr lang="hu-HU" dirty="0"/>
-              <a:t>Kedvezmények </a:t>
-            </a:r>
-          </a:p>
-          <a:p>
-            <a:r>
-              <a:rPr lang="hu-HU" dirty="0"/>
-              <a:t>Törzstagság bevezetése</a:t>
-            </a:r>
-          </a:p>
-          <a:p>
-            <a:r>
-              <a:rPr lang="hu-HU" dirty="0"/>
-              <a:t>Rendszeres frissítés</a:t>
-            </a:r>
-          </a:p>
-        </p:txBody>
-      </p:sp>
+        <p:spPr>
+          <a:xfrm>
+            <a:off x="838200" y="476250"/>
+            <a:ext cx="10515600" cy="5700713"/>
+          </a:xfrm>
+        </p:spPr>
+        <p:txBody>
+          <a:bodyPr/>
+          <a:lstStyle/>
+          <a:p>
+            <a:pPr marL="0" indent="0">
+              <a:buNone/>
+            </a:pPr>
+            <a:r>
+              <a:rPr lang="en-US" dirty="0"/>
+              <a:t> </a:t>
+            </a:r>
+            <a:endParaRPr lang="hu-HU" dirty="0"/>
+          </a:p>
+        </p:txBody>
+      </p:sp>
+      <p:pic>
+        <p:nvPicPr>
+          <p:cNvPr id="2" name="Kép 1">
+            <a:extLst>
+              <a:ext uri="{FF2B5EF4-FFF2-40B4-BE49-F238E27FC236}">
+                <a16:creationId xmlns:a16="http://schemas.microsoft.com/office/drawing/2014/main" id="{2FDA0078-A214-4216-9031-189F74DE106E}"/>
+              </a:ext>
+            </a:extLst>
+          </p:cNvPr>
+          <p:cNvPicPr>
+            <a:picLocks noChangeAspect="1"/>
+          </p:cNvPicPr>
+          <p:nvPr/>
+        </p:nvPicPr>
+        <p:blipFill>
+          <a:blip r:embed="rId2"/>
+          <a:stretch>
+            <a:fillRect/>
+          </a:stretch>
+        </p:blipFill>
+        <p:spPr>
+          <a:xfrm>
+            <a:off x="232171" y="0"/>
+            <a:ext cx="11727657" cy="6858000"/>
+          </a:xfrm>
+          <a:prstGeom prst="rect">
+            <a:avLst/>
+          </a:prstGeom>
+        </p:spPr>
+      </p:pic>
     </p:spTree>
     <p:extLst>
       <p:ext uri="{BB962C8B-B14F-4D97-AF65-F5344CB8AC3E}">
-        <p14:creationId xmlns:p14="http://schemas.microsoft.com/office/powerpoint/2010/main" val="2498562731"/>
+        <p14:creationId xmlns:p14="http://schemas.microsoft.com/office/powerpoint/2010/main" val="3588874732"/>
       </p:ext>
     </p:extLst>
   </p:cSld>
@@ -4883,49 +4966,12 @@
           <a:chExt cx="0" cy="0"/>
         </a:xfrm>
       </p:grpSpPr>
-      <p:sp>
-        <p:nvSpPr>
-          <p:cNvPr id="3" name="Tartalom helye 2">
-            <a:extLst>
-              <a:ext uri="{FF2B5EF4-FFF2-40B4-BE49-F238E27FC236}">
-                <a16:creationId xmlns:a16="http://schemas.microsoft.com/office/drawing/2014/main" id="{0F4862DE-C6B8-4163-B534-69C1C32CC2F2}"/>
-              </a:ext>
-            </a:extLst>
-          </p:cNvPr>
-          <p:cNvSpPr>
-            <a:spLocks noGrp="1"/>
-          </p:cNvSpPr>
-          <p:nvPr>
-            <p:ph idx="1"/>
-          </p:nvPr>
-        </p:nvSpPr>
-        <p:spPr>
-          <a:xfrm>
-            <a:off x="838200" y="476250"/>
-            <a:ext cx="10515600" cy="5700713"/>
-          </a:xfrm>
-        </p:spPr>
-        <p:txBody>
-          <a:bodyPr/>
-          <a:lstStyle/>
-          <a:p>
-            <a:pPr marL="0" indent="0">
-              <a:buNone/>
-            </a:pPr>
-            <a:r>
-              <a:rPr lang="en-US" dirty="0"/>
-              <a:t> </a:t>
-            </a:r>
-            <a:endParaRPr lang="hu-HU" dirty="0"/>
-          </a:p>
-        </p:txBody>
-      </p:sp>
       <p:pic>
         <p:nvPicPr>
-          <p:cNvPr id="4" name="Kép 3">
-            <a:extLst>
-              <a:ext uri="{FF2B5EF4-FFF2-40B4-BE49-F238E27FC236}">
-                <a16:creationId xmlns:a16="http://schemas.microsoft.com/office/drawing/2014/main" id="{9CC953F0-A410-4282-ADB0-61993E57CB3F}"/>
+          <p:cNvPr id="6" name="Kép 5">
+            <a:extLst>
+              <a:ext uri="{FF2B5EF4-FFF2-40B4-BE49-F238E27FC236}">
+                <a16:creationId xmlns:a16="http://schemas.microsoft.com/office/drawing/2014/main" id="{04D973BF-FEBC-46A7-9F5C-6EEC2C82C55B}"/>
               </a:ext>
             </a:extLst>
           </p:cNvPr>
@@ -4942,68 +4988,18 @@
         </p:blipFill>
         <p:spPr>
           <a:xfrm>
-            <a:off x="1335392" y="1803654"/>
-            <a:ext cx="9728578" cy="4578096"/>
+            <a:off x="262149" y="0"/>
+            <a:ext cx="11667702" cy="6858000"/>
           </a:xfrm>
           <a:prstGeom prst="rect">
             <a:avLst/>
           </a:prstGeom>
         </p:spPr>
       </p:pic>
-      <p:sp>
-        <p:nvSpPr>
-          <p:cNvPr id="6" name="Szövegdoboz 5">
-            <a:extLst>
-              <a:ext uri="{FF2B5EF4-FFF2-40B4-BE49-F238E27FC236}">
-                <a16:creationId xmlns:a16="http://schemas.microsoft.com/office/drawing/2014/main" id="{B01D22AD-D300-4A43-A88B-9D140738B514}"/>
-              </a:ext>
-            </a:extLst>
-          </p:cNvPr>
-          <p:cNvSpPr txBox="1"/>
-          <p:nvPr/>
-        </p:nvSpPr>
-        <p:spPr>
-          <a:xfrm>
-            <a:off x="1335392" y="476250"/>
-            <a:ext cx="9728578" cy="1323439"/>
-          </a:xfrm>
-          <a:prstGeom prst="rect">
-            <a:avLst/>
-          </a:prstGeom>
-          <a:noFill/>
-        </p:spPr>
-        <p:txBody>
-          <a:bodyPr wrap="square" rtlCol="0">
-            <a:spAutoFit/>
-          </a:bodyPr>
-          <a:lstStyle/>
-          <a:p>
-            <a:pPr algn="ctr"/>
-            <a:r>
-              <a:rPr lang="hu-HU" sz="4000" b="1" i="0" dirty="0">
-                <a:solidFill>
-                  <a:schemeClr val="bg1">
-                    <a:lumMod val="95000"/>
-                  </a:schemeClr>
-                </a:solidFill>
-                <a:effectLst/>
-              </a:rPr>
-              <a:t>Milyen sűrűn szokott utazni, a hétköznapi közlekedésen kívül?</a:t>
-            </a:r>
-            <a:endParaRPr lang="hu-HU" sz="4000" b="1" dirty="0">
-              <a:solidFill>
-                <a:schemeClr val="bg1">
-                  <a:lumMod val="95000"/>
-                </a:schemeClr>
-              </a:solidFill>
-            </a:endParaRPr>
-          </a:p>
-        </p:txBody>
-      </p:sp>
     </p:spTree>
     <p:extLst>
       <p:ext uri="{BB962C8B-B14F-4D97-AF65-F5344CB8AC3E}">
-        <p14:creationId xmlns:p14="http://schemas.microsoft.com/office/powerpoint/2010/main" val="3588874732"/>
+        <p14:creationId xmlns:p14="http://schemas.microsoft.com/office/powerpoint/2010/main" val="2912495386"/>
       </p:ext>
     </p:extLst>
   </p:cSld>
@@ -5035,7 +5031,7 @@
           <p:cNvPr id="2" name="Kép 1">
             <a:extLst>
               <a:ext uri="{FF2B5EF4-FFF2-40B4-BE49-F238E27FC236}">
-                <a16:creationId xmlns:a16="http://schemas.microsoft.com/office/drawing/2014/main" id="{6906FBA5-A5A8-4003-9C47-A1957B50031E}"/>
+                <a16:creationId xmlns:a16="http://schemas.microsoft.com/office/drawing/2014/main" id="{8C07598D-456A-4D94-86C4-D32CD9A53EFC}"/>
               </a:ext>
             </a:extLst>
           </p:cNvPr>
@@ -5052,8 +5048,8 @@
         </p:blipFill>
         <p:spPr>
           <a:xfrm>
-            <a:off x="1365504" y="1798182"/>
-            <a:ext cx="9753600" cy="4529466"/>
+            <a:off x="151906" y="0"/>
+            <a:ext cx="11918644" cy="6858000"/>
           </a:xfrm>
           <a:prstGeom prst="rect">
             <a:avLst/>
@@ -5062,10 +5058,62 @@
       </p:pic>
       <p:sp>
         <p:nvSpPr>
-          <p:cNvPr id="7" name="Szövegdoboz 6">
-            <a:extLst>
-              <a:ext uri="{FF2B5EF4-FFF2-40B4-BE49-F238E27FC236}">
-                <a16:creationId xmlns:a16="http://schemas.microsoft.com/office/drawing/2014/main" id="{36E99A7D-4CEA-475E-B42E-AE0F36010DCB}"/>
+          <p:cNvPr id="3" name="Téglalap 2">
+            <a:extLst>
+              <a:ext uri="{FF2B5EF4-FFF2-40B4-BE49-F238E27FC236}">
+                <a16:creationId xmlns:a16="http://schemas.microsoft.com/office/drawing/2014/main" id="{B1F5D14C-5417-4E45-B204-ED1F78EE6850}"/>
+              </a:ext>
+            </a:extLst>
+          </p:cNvPr>
+          <p:cNvSpPr/>
+          <p:nvPr/>
+        </p:nvSpPr>
+        <p:spPr>
+          <a:xfrm>
+            <a:off x="5705856" y="6458712"/>
+            <a:ext cx="6108192" cy="341376"/>
+          </a:xfrm>
+          <a:prstGeom prst="rect">
+            <a:avLst/>
+          </a:prstGeom>
+          <a:solidFill>
+            <a:srgbClr val="FF09DC"/>
+          </a:solidFill>
+          <a:ln>
+            <a:noFill/>
+          </a:ln>
+        </p:spPr>
+        <p:style>
+          <a:lnRef idx="2">
+            <a:schemeClr val="accent1">
+              <a:shade val="50000"/>
+            </a:schemeClr>
+          </a:lnRef>
+          <a:fillRef idx="1">
+            <a:schemeClr val="accent1"/>
+          </a:fillRef>
+          <a:effectRef idx="0">
+            <a:schemeClr val="accent1"/>
+          </a:effectRef>
+          <a:fontRef idx="minor">
+            <a:schemeClr val="lt1"/>
+          </a:fontRef>
+        </p:style>
+        <p:txBody>
+          <a:bodyPr rtlCol="0" anchor="ctr"/>
+          <a:lstStyle/>
+          <a:p>
+            <a:pPr algn="ctr"/>
+            <a:endParaRPr lang="hu-HU"/>
+          </a:p>
+        </p:txBody>
+      </p:sp>
+      <p:sp>
+        <p:nvSpPr>
+          <p:cNvPr id="6" name="Szövegdoboz 5">
+            <a:extLst>
+              <a:ext uri="{FF2B5EF4-FFF2-40B4-BE49-F238E27FC236}">
+                <a16:creationId xmlns:a16="http://schemas.microsoft.com/office/drawing/2014/main" id="{24877C41-16BB-4E97-8C4A-C6C5CC6B0C38}"/>
               </a:ext>
             </a:extLst>
           </p:cNvPr>
@@ -5074,8 +5122,8 @@
         </p:nvSpPr>
         <p:spPr>
           <a:xfrm>
-            <a:off x="3048000" y="530352"/>
-            <a:ext cx="6096000" cy="1323439"/>
+            <a:off x="7510272" y="6194459"/>
+            <a:ext cx="804202" cy="461665"/>
           </a:xfrm>
           <a:prstGeom prst="rect">
             <a:avLst/>
@@ -5086,25 +5134,54 @@
           <a:bodyPr wrap="square" rtlCol="0">
             <a:spAutoFit/>
           </a:bodyPr>
-          <a:lstStyle>
-            <a:defPPr>
-              <a:defRPr lang="hu-HU"/>
-            </a:defPPr>
-            <a:lvl1pPr algn="ctr">
-              <a:defRPr sz="4000" b="1" i="0">
+          <a:lstStyle/>
+          <a:p>
+            <a:r>
+              <a:rPr lang="hu-HU" sz="2400" dirty="0">
                 <a:solidFill>
-                  <a:schemeClr val="bg1">
-                    <a:lumMod val="95000"/>
-                  </a:schemeClr>
+                  <a:schemeClr val="bg1"/>
                 </a:solidFill>
-                <a:effectLst/>
-              </a:defRPr>
-            </a:lvl1pPr>
-          </a:lstStyle>
-          <a:p>
-            <a:r>
-              <a:rPr lang="hu-HU" dirty="0"/>
-              <a:t>Utazásai célpontja legtöbbször...</a:t>
+              </a:rPr>
+              <a:t>28%</a:t>
+            </a:r>
+          </a:p>
+        </p:txBody>
+      </p:sp>
+      <p:sp>
+        <p:nvSpPr>
+          <p:cNvPr id="7" name="Szövegdoboz 6">
+            <a:extLst>
+              <a:ext uri="{FF2B5EF4-FFF2-40B4-BE49-F238E27FC236}">
+                <a16:creationId xmlns:a16="http://schemas.microsoft.com/office/drawing/2014/main" id="{17FCAC0C-9299-412B-BB4E-67310B9CC2B9}"/>
+              </a:ext>
+            </a:extLst>
+          </p:cNvPr>
+          <p:cNvSpPr txBox="1"/>
+          <p:nvPr/>
+        </p:nvSpPr>
+        <p:spPr>
+          <a:xfrm>
+            <a:off x="10588752" y="6227879"/>
+            <a:ext cx="804202" cy="461665"/>
+          </a:xfrm>
+          <a:prstGeom prst="rect">
+            <a:avLst/>
+          </a:prstGeom>
+          <a:noFill/>
+        </p:spPr>
+        <p:txBody>
+          <a:bodyPr wrap="square" rtlCol="0">
+            <a:spAutoFit/>
+          </a:bodyPr>
+          <a:lstStyle/>
+          <a:p>
+            <a:r>
+              <a:rPr lang="hu-HU" sz="2400" dirty="0">
+                <a:solidFill>
+                  <a:schemeClr val="bg1"/>
+                </a:solidFill>
+              </a:rPr>
+              <a:t>35%</a:t>
             </a:r>
           </a:p>
         </p:txBody>
@@ -5112,7 +5189,7 @@
     </p:spTree>
     <p:extLst>
       <p:ext uri="{BB962C8B-B14F-4D97-AF65-F5344CB8AC3E}">
-        <p14:creationId xmlns:p14="http://schemas.microsoft.com/office/powerpoint/2010/main" val="2912495386"/>
+        <p14:creationId xmlns:p14="http://schemas.microsoft.com/office/powerpoint/2010/main" val="1046734372"/>
       </p:ext>
     </p:extLst>
   </p:cSld>
@@ -5415,4 +5492,265 @@
     </a:ext>
   </a:extLst>
 </a:theme>
+</file>
+
+<file path=ppt/theme/theme2.xml><?xml version="1.0" encoding="utf-8"?>
+<a:theme xmlns:a="http://schemas.openxmlformats.org/drawingml/2006/main" name="Office-téma">
+  <a:themeElements>
+    <a:clrScheme name="Office">
+      <a:dk1>
+        <a:sysClr val="windowText" lastClr="000000"/>
+      </a:dk1>
+      <a:lt1>
+        <a:sysClr val="window" lastClr="FFFFFF"/>
+      </a:lt1>
+      <a:dk2>
+        <a:srgbClr val="44546A"/>
+      </a:dk2>
+      <a:lt2>
+        <a:srgbClr val="E7E6E6"/>
+      </a:lt2>
+      <a:accent1>
+        <a:srgbClr val="5B9BD5"/>
+      </a:accent1>
+      <a:accent2>
+        <a:srgbClr val="ED7D31"/>
+      </a:accent2>
+      <a:accent3>
+        <a:srgbClr val="A5A5A5"/>
+      </a:accent3>
+      <a:accent4>
+        <a:srgbClr val="FFC000"/>
+      </a:accent4>
+      <a:accent5>
+        <a:srgbClr val="4472C4"/>
+      </a:accent5>
+      <a:accent6>
+        <a:srgbClr val="70AD47"/>
+      </a:accent6>
+      <a:hlink>
+        <a:srgbClr val="0563C1"/>
+      </a:hlink>
+      <a:folHlink>
+        <a:srgbClr val="954F72"/>
+      </a:folHlink>
+    </a:clrScheme>
+    <a:fontScheme name="Office">
+      <a:majorFont>
+        <a:latin typeface="Calibri Light" panose="020F0302020204030204"/>
+        <a:ea typeface=""/>
+        <a:cs typeface=""/>
+        <a:font script="Jpan" typeface="游ゴシック Light"/>
+        <a:font script="Hang" typeface="맑은 고딕"/>
+        <a:font script="Hans" typeface="等线 Light"/>
+        <a:font script="Hant" typeface="新細明體"/>
+        <a:font script="Arab" typeface="Times New Roman"/>
+        <a:font script="Hebr" typeface="Times New Roman"/>
+        <a:font script="Thai" typeface="Angsana New"/>
+        <a:font script="Ethi" typeface="Nyala"/>
+        <a:font script="Beng" typeface="Vrinda"/>
+        <a:font script="Gujr" typeface="Shruti"/>
+        <a:font script="Khmr" typeface="MoolBoran"/>
+        <a:font script="Knda" typeface="Tunga"/>
+        <a:font script="Guru" typeface="Raavi"/>
+        <a:font script="Cans" typeface="Euphemia"/>
+        <a:font script="Cher" typeface="Plantagenet Cherokee"/>
+        <a:font script="Yiii" typeface="Microsoft Yi Baiti"/>
+        <a:font script="Tibt" typeface="Microsoft Himalaya"/>
+        <a:font script="Thaa" typeface="MV Boli"/>
+        <a:font script="Deva" typeface="Mangal"/>
+        <a:font script="Telu" typeface="Gautami"/>
+        <a:font script="Taml" typeface="Latha"/>
+        <a:font script="Syrc" typeface="Estrangelo Edessa"/>
+        <a:font script="Orya" typeface="Kalinga"/>
+        <a:font script="Mlym" typeface="Kartika"/>
+        <a:font script="Laoo" typeface="DokChampa"/>
+        <a:font script="Sinh" typeface="Iskoola Pota"/>
+        <a:font script="Mong" typeface="Mongolian Baiti"/>
+        <a:font script="Viet" typeface="Times New Roman"/>
+        <a:font script="Uigh" typeface="Microsoft Uighur"/>
+        <a:font script="Geor" typeface="Sylfaen"/>
+      </a:majorFont>
+      <a:minorFont>
+        <a:latin typeface="Calibri" panose="020F0502020204030204"/>
+        <a:ea typeface=""/>
+        <a:cs typeface=""/>
+        <a:font script="Jpan" typeface="游ゴシック"/>
+        <a:font script="Hang" typeface="맑은 고딕"/>
+        <a:font script="Hans" typeface="等线"/>
+        <a:font script="Hant" typeface="新細明體"/>
+        <a:font script="Arab" typeface="Arial"/>
+        <a:font script="Hebr" typeface="Arial"/>
+        <a:font script="Thai" typeface="Cordia New"/>
+        <a:font script="Ethi" typeface="Nyala"/>
+        <a:font script="Beng" typeface="Vrinda"/>
+        <a:font script="Gujr" typeface="Shruti"/>
+        <a:font script="Khmr" typeface="DaunPenh"/>
+        <a:font script="Knda" typeface="Tunga"/>
+        <a:font script="Guru" typeface="Raavi"/>
+        <a:font script="Cans" typeface="Euphemia"/>
+        <a:font script="Cher" typeface="Plantagenet Cherokee"/>
+        <a:font script="Yiii" typeface="Microsoft Yi Baiti"/>
+        <a:font script="Tibt" typeface="Microsoft Himalaya"/>
+        <a:font script="Thaa" typeface="MV Boli"/>
+        <a:font script="Deva" typeface="Mangal"/>
+        <a:font script="Telu" typeface="Gautami"/>
+        <a:font script="Taml" typeface="Latha"/>
+        <a:font script="Syrc" typeface="Estrangelo Edessa"/>
+        <a:font script="Orya" typeface="Kalinga"/>
+        <a:font script="Mlym" typeface="Kartika"/>
+        <a:font script="Laoo" typeface="DokChampa"/>
+        <a:font script="Sinh" typeface="Iskoola Pota"/>
+        <a:font script="Mong" typeface="Mongolian Baiti"/>
+        <a:font script="Viet" typeface="Arial"/>
+        <a:font script="Uigh" typeface="Microsoft Uighur"/>
+        <a:font script="Geor" typeface="Sylfaen"/>
+      </a:minorFont>
+    </a:fontScheme>
+    <a:fmtScheme name="Office">
+      <a:fillStyleLst>
+        <a:solidFill>
+          <a:schemeClr val="phClr"/>
+        </a:solidFill>
+        <a:gradFill rotWithShape="1">
+          <a:gsLst>
+            <a:gs pos="0">
+              <a:schemeClr val="phClr">
+                <a:lumMod val="110000"/>
+                <a:satMod val="105000"/>
+                <a:tint val="67000"/>
+              </a:schemeClr>
+            </a:gs>
+            <a:gs pos="50000">
+              <a:schemeClr val="phClr">
+                <a:lumMod val="105000"/>
+                <a:satMod val="103000"/>
+                <a:tint val="73000"/>
+              </a:schemeClr>
+            </a:gs>
+            <a:gs pos="100000">
+              <a:schemeClr val="phClr">
+                <a:lumMod val="105000"/>
+                <a:satMod val="109000"/>
+                <a:tint val="81000"/>
+              </a:schemeClr>
+            </a:gs>
+          </a:gsLst>
+          <a:lin ang="5400000" scaled="0"/>
+        </a:gradFill>
+        <a:gradFill rotWithShape="1">
+          <a:gsLst>
+            <a:gs pos="0">
+              <a:schemeClr val="phClr">
+                <a:satMod val="103000"/>
+                <a:lumMod val="102000"/>
+                <a:tint val="94000"/>
+              </a:schemeClr>
+            </a:gs>
+            <a:gs pos="50000">
+              <a:schemeClr val="phClr">
+                <a:satMod val="110000"/>
+                <a:lumMod val="100000"/>
+                <a:shade val="100000"/>
+              </a:schemeClr>
+            </a:gs>
+            <a:gs pos="100000">
+              <a:schemeClr val="phClr">
+                <a:lumMod val="99000"/>
+                <a:satMod val="120000"/>
+                <a:shade val="78000"/>
+              </a:schemeClr>
+            </a:gs>
+          </a:gsLst>
+          <a:lin ang="5400000" scaled="0"/>
+        </a:gradFill>
+      </a:fillStyleLst>
+      <a:lnStyleLst>
+        <a:ln w="6350" cap="flat" cmpd="sng" algn="ctr">
+          <a:solidFill>
+            <a:schemeClr val="phClr"/>
+          </a:solidFill>
+          <a:prstDash val="solid"/>
+          <a:miter lim="800000"/>
+        </a:ln>
+        <a:ln w="12700" cap="flat" cmpd="sng" algn="ctr">
+          <a:solidFill>
+            <a:schemeClr val="phClr"/>
+          </a:solidFill>
+          <a:prstDash val="solid"/>
+          <a:miter lim="800000"/>
+        </a:ln>
+        <a:ln w="19050" cap="flat" cmpd="sng" algn="ctr">
+          <a:solidFill>
+            <a:schemeClr val="phClr"/>
+          </a:solidFill>
+          <a:prstDash val="solid"/>
+          <a:miter lim="800000"/>
+        </a:ln>
+      </a:lnStyleLst>
+      <a:effectStyleLst>
+        <a:effectStyle>
+          <a:effectLst/>
+        </a:effectStyle>
+        <a:effectStyle>
+          <a:effectLst/>
+        </a:effectStyle>
+        <a:effectStyle>
+          <a:effectLst>
+            <a:outerShdw blurRad="57150" dist="19050" dir="5400000" algn="ctr" rotWithShape="0">
+              <a:srgbClr val="000000">
+                <a:alpha val="63000"/>
+              </a:srgbClr>
+            </a:outerShdw>
+          </a:effectLst>
+        </a:effectStyle>
+      </a:effectStyleLst>
+      <a:bgFillStyleLst>
+        <a:solidFill>
+          <a:schemeClr val="phClr"/>
+        </a:solidFill>
+        <a:solidFill>
+          <a:schemeClr val="phClr">
+            <a:tint val="95000"/>
+            <a:satMod val="170000"/>
+          </a:schemeClr>
+        </a:solidFill>
+        <a:gradFill rotWithShape="1">
+          <a:gsLst>
+            <a:gs pos="0">
+              <a:schemeClr val="phClr">
+                <a:tint val="93000"/>
+                <a:satMod val="150000"/>
+                <a:shade val="98000"/>
+                <a:lumMod val="102000"/>
+              </a:schemeClr>
+            </a:gs>
+            <a:gs pos="50000">
+              <a:schemeClr val="phClr">
+                <a:tint val="98000"/>
+                <a:satMod val="130000"/>
+                <a:shade val="90000"/>
+                <a:lumMod val="103000"/>
+              </a:schemeClr>
+            </a:gs>
+            <a:gs pos="100000">
+              <a:schemeClr val="phClr">
+                <a:shade val="63000"/>
+                <a:satMod val="120000"/>
+              </a:schemeClr>
+            </a:gs>
+          </a:gsLst>
+          <a:lin ang="5400000" scaled="0"/>
+        </a:gradFill>
+      </a:bgFillStyleLst>
+    </a:fmtScheme>
+  </a:themeElements>
+  <a:objectDefaults/>
+  <a:extraClrSchemeLst/>
+  <a:extLst>
+    <a:ext uri="{05A4C25C-085E-4340-85A3-A5531E510DB2}">
+      <thm15:themeFamily xmlns:thm15="http://schemas.microsoft.com/office/thememl/2012/main" name="Office Theme" id="{62F939B6-93AF-4DB8-9C6B-D6C7DFDC589F}" vid="{4A3C46E8-61CC-4603-A589-7422A47A8E4A}"/>
+    </a:ext>
+  </a:extLst>
+</a:theme>
 </file>
--- a/netetmatat-ppt.pptx
+++ b/netetmatat-ppt.pptx
@@ -3565,7 +3565,7 @@
                 <a16:creationId xmlns:a16="http://schemas.microsoft.com/office/drawing/2014/main" id="{5A59F003-E00A-43F9-91DC-CC54E3B87466}"/>
               </a:ext>
               <a:ext uri="{C183D7F6-B498-43B3-948B-1728B52AA6E4}">
-                <adec:decorative xmlns:adec="http://schemas.microsoft.com/office/drawing/2017/decorative" val="1"/>
+                <adec:decorative xmlns:adec="http://schemas.microsoft.com/office/drawing/2017/decorative" xmlns="" val="1"/>
               </a:ext>
             </a:extLst>
           </p:cNvPr>
@@ -3625,7 +3625,7 @@
                 <a16:creationId xmlns:a16="http://schemas.microsoft.com/office/drawing/2014/main" id="{D74A4382-E3AD-430A-9A1F-DFA3E0E77A7D}"/>
               </a:ext>
               <a:ext uri="{C183D7F6-B498-43B3-948B-1728B52AA6E4}">
-                <adec:decorative xmlns:adec="http://schemas.microsoft.com/office/drawing/2017/decorative" val="1"/>
+                <adec:decorative xmlns:adec="http://schemas.microsoft.com/office/drawing/2017/decorative" xmlns="" val="1"/>
               </a:ext>
             </a:extLst>
           </p:cNvPr>
@@ -3809,7 +3809,7 @@
                 <a16:creationId xmlns:a16="http://schemas.microsoft.com/office/drawing/2014/main" id="{79F40191-0F44-4FD1-82CC-ACB507C14BE6}"/>
               </a:ext>
               <a:ext uri="{C183D7F6-B498-43B3-948B-1728B52AA6E4}">
-                <adec:decorative xmlns:adec="http://schemas.microsoft.com/office/drawing/2017/decorative" val="1"/>
+                <adec:decorative xmlns:adec="http://schemas.microsoft.com/office/drawing/2017/decorative" xmlns="" val="1"/>
               </a:ext>
             </a:extLst>
           </p:cNvPr>
@@ -4550,27 +4550,65 @@
           </a:p>
         </p:txBody>
       </p:sp>
-      <p:sp>
-        <p:nvSpPr>
-          <p:cNvPr id="3" name="Tartalom helye 2"/>
-          <p:cNvSpPr>
-            <a:spLocks noGrp="1"/>
-          </p:cNvSpPr>
+      <p:pic>
+        <p:nvPicPr>
+          <p:cNvPr id="9" name="Tartalom helye 8"/>
+          <p:cNvPicPr>
+            <a:picLocks noGrp="1" noChangeAspect="1"/>
+          </p:cNvPicPr>
           <p:nvPr>
             <p:ph idx="1"/>
           </p:nvPr>
-        </p:nvSpPr>
-        <p:spPr/>
-        <p:txBody>
-          <a:bodyPr>
-            <a:normAutofit/>
-          </a:bodyPr>
-          <a:lstStyle/>
-          <a:p>
-            <a:endParaRPr lang="hu-HU" dirty="0"/>
-          </a:p>
-        </p:txBody>
-      </p:sp>
+        </p:nvPicPr>
+        <p:blipFill>
+          <a:blip r:embed="rId2" cstate="print">
+            <a:extLst>
+              <a:ext uri="{28A0092B-C50C-407E-A947-70E740481C1C}">
+                <a14:useLocalDpi xmlns:a14="http://schemas.microsoft.com/office/drawing/2010/main" val="0"/>
+              </a:ext>
+            </a:extLst>
+          </a:blip>
+          <a:stretch>
+            <a:fillRect/>
+          </a:stretch>
+        </p:blipFill>
+        <p:spPr>
+          <a:xfrm>
+            <a:off x="1099457" y="1541934"/>
+            <a:ext cx="6228806" cy="4806785"/>
+          </a:xfrm>
+        </p:spPr>
+      </p:pic>
+      <p:pic>
+        <p:nvPicPr>
+          <p:cNvPr id="10" name="Kép 9"/>
+          <p:cNvPicPr>
+            <a:picLocks noChangeAspect="1"/>
+          </p:cNvPicPr>
+          <p:nvPr/>
+        </p:nvPicPr>
+        <p:blipFill>
+          <a:blip r:embed="rId3" cstate="print">
+            <a:extLst>
+              <a:ext uri="{28A0092B-C50C-407E-A947-70E740481C1C}">
+                <a14:useLocalDpi xmlns:a14="http://schemas.microsoft.com/office/drawing/2010/main" val="0"/>
+              </a:ext>
+            </a:extLst>
+          </a:blip>
+          <a:stretch>
+            <a:fillRect/>
+          </a:stretch>
+        </p:blipFill>
+        <p:spPr>
+          <a:xfrm>
+            <a:off x="8500079" y="558888"/>
+            <a:ext cx="2853721" cy="5641076"/>
+          </a:xfrm>
+          <a:prstGeom prst="rect">
+            <a:avLst/>
+          </a:prstGeom>
+        </p:spPr>
+      </p:pic>
     </p:spTree>
     <p:extLst>
       <p:ext uri="{BB962C8B-B14F-4D97-AF65-F5344CB8AC3E}">

--- a/netetmatat-ppt.pptx
+++ b/netetmatat-ppt.pptx
@@ -4453,8 +4453,8 @@
           <a:lstStyle/>
           <a:p>
             <a:r>
-              <a:rPr lang="hu-HU" sz="3600" dirty="0" err="1"/>
-              <a:t>Bemtatkozás</a:t>
+              <a:rPr lang="hu-HU" sz="3600" smtClean="0"/>
+              <a:t>Bemutatkozás</a:t>
             </a:r>
             <a:endParaRPr lang="hu-HU" sz="3600" dirty="0"/>
           </a:p>
@@ -4588,7 +4588,7 @@
           <p:nvPr/>
         </p:nvPicPr>
         <p:blipFill>
-          <a:blip r:embed="rId3" cstate="print">
+          <a:blip r:embed="rId3" cstate="hqprint">
             <a:extLst>
               <a:ext uri="{28A0092B-C50C-407E-A947-70E740481C1C}">
                 <a14:useLocalDpi xmlns:a14="http://schemas.microsoft.com/office/drawing/2010/main" val="0"/>
